--- a/document/PullRequest.pptx
+++ b/document/PullRequest.pptx
@@ -4816,93 +4816,43 @@
           <a:lstStyle/>
           <a:p>
             <a:r>
-              <a:rPr kumimoji="1" lang="en-US" altLang="ja-JP" dirty="0" err="1"/>
-              <a:t>PullRequest</a:t>
-            </a:r>
-            <a:r>
-              <a:rPr kumimoji="1" lang="ja-JP" altLang="en-US" dirty="0"/>
-              <a:t>は、自分が加えた変更を相手のリポジトリに取り込んでほしいときにする</a:t>
-            </a:r>
-            <a:br>
-              <a:rPr kumimoji="1" lang="en-US" altLang="ja-JP" dirty="0"/>
-            </a:br>
-            <a:r>
-              <a:rPr kumimoji="1" lang="ja-JP" altLang="en-US" dirty="0"/>
-              <a:t>行為です。</a:t>
-            </a:r>
-          </a:p>
-        </p:txBody>
-      </p:sp>
-      <p:sp>
-        <p:nvSpPr>
-          <p:cNvPr id="4" name="テキスト ボックス 3">
-            <a:extLst>
-              <a:ext uri="{FF2B5EF4-FFF2-40B4-BE49-F238E27FC236}">
-                <a16:creationId xmlns:a16="http://schemas.microsoft.com/office/drawing/2014/main" id="{D70D91FB-A116-46E2-85E5-960E3BCDA672}"/>
-              </a:ext>
-            </a:extLst>
-          </p:cNvPr>
-          <p:cNvSpPr txBox="1"/>
+              <a:rPr kumimoji="1" lang="ja-JP" altLang="en-US"/>
+              <a:t>作業</a:t>
+            </a:r>
+            <a:endParaRPr kumimoji="1" lang="ja-JP" altLang="en-US" dirty="0"/>
+          </a:p>
+        </p:txBody>
+      </p:sp>
+      <p:pic>
+        <p:nvPicPr>
+          <p:cNvPr id="8" name="図 7">
+            <a:extLst>
+              <a:ext uri="{FF2B5EF4-FFF2-40B4-BE49-F238E27FC236}">
+                <a16:creationId xmlns:a16="http://schemas.microsoft.com/office/drawing/2014/main" id="{8F71A611-370A-4C95-B2D0-9B38756CABFA}"/>
+              </a:ext>
+            </a:extLst>
+          </p:cNvPr>
+          <p:cNvPicPr>
+            <a:picLocks noChangeAspect="1"/>
+          </p:cNvPicPr>
           <p:nvPr/>
-        </p:nvSpPr>
+        </p:nvPicPr>
+        <p:blipFill>
+          <a:blip r:embed="rId2"/>
+          <a:stretch>
+            <a:fillRect/>
+          </a:stretch>
+        </p:blipFill>
         <p:spPr>
           <a:xfrm>
-            <a:off x="4845134" y="3908289"/>
-            <a:ext cx="2492990" cy="646331"/>
+            <a:off x="2078943" y="3068935"/>
+            <a:ext cx="7437765" cy="2370025"/>
           </a:xfrm>
           <a:prstGeom prst="rect">
             <a:avLst/>
           </a:prstGeom>
-          <a:noFill/>
         </p:spPr>
-        <p:txBody>
-          <a:bodyPr wrap="none" rtlCol="0">
-            <a:spAutoFit/>
-          </a:bodyPr>
-          <a:lstStyle/>
-          <a:p>
-            <a:r>
-              <a:rPr kumimoji="1" lang="ja-JP" altLang="en-US" dirty="0">
-                <a:solidFill>
-                  <a:srgbClr val="FF0000"/>
-                </a:solidFill>
-              </a:rPr>
-              <a:t>画像を制作して入れる</a:t>
-            </a:r>
-            <a:br>
-              <a:rPr kumimoji="1" lang="en-US" altLang="ja-JP" dirty="0">
-                <a:solidFill>
-                  <a:srgbClr val="FF0000"/>
-                </a:solidFill>
-              </a:rPr>
-            </a:br>
-            <a:r>
-              <a:rPr kumimoji="1" lang="ja-JP" altLang="en-US" dirty="0">
-                <a:solidFill>
-                  <a:srgbClr val="FF0000"/>
-                </a:solidFill>
-              </a:rPr>
-              <a:t>（</a:t>
-            </a:r>
-            <a:r>
-              <a:rPr kumimoji="1" lang="en-US" altLang="ja-JP" dirty="0" err="1">
-                <a:solidFill>
-                  <a:srgbClr val="FF0000"/>
-                </a:solidFill>
-              </a:rPr>
-              <a:t>PullRequest</a:t>
-            </a:r>
-            <a:r>
-              <a:rPr kumimoji="1" lang="ja-JP" altLang="en-US" dirty="0">
-                <a:solidFill>
-                  <a:srgbClr val="FF0000"/>
-                </a:solidFill>
-              </a:rPr>
-              <a:t>の図）</a:t>
-            </a:r>
-          </a:p>
-        </p:txBody>
-      </p:sp>
+      </p:pic>
     </p:spTree>
     <p:extLst>
       <p:ext uri="{BB962C8B-B14F-4D97-AF65-F5344CB8AC3E}">

--- a/document/PullRequest.pptx
+++ b/document/PullRequest.pptx
@@ -10,8 +10,8 @@
     <p:sldId id="257" r:id="rId4"/>
     <p:sldId id="265" r:id="rId5"/>
     <p:sldId id="266" r:id="rId6"/>
-    <p:sldId id="267" r:id="rId7"/>
-    <p:sldId id="268" r:id="rId8"/>
+    <p:sldId id="268" r:id="rId7"/>
+    <p:sldId id="267" r:id="rId8"/>
     <p:sldId id="269" r:id="rId9"/>
     <p:sldId id="270" r:id="rId10"/>
     <p:sldId id="260" r:id="rId11"/>
@@ -19,7 +19,13 @@
     <p:sldId id="262" r:id="rId13"/>
     <p:sldId id="263" r:id="rId14"/>
     <p:sldId id="264" r:id="rId15"/>
-    <p:sldId id="258" r:id="rId16"/>
+    <p:sldId id="271" r:id="rId16"/>
+    <p:sldId id="272" r:id="rId17"/>
+    <p:sldId id="274" r:id="rId18"/>
+    <p:sldId id="275" r:id="rId19"/>
+    <p:sldId id="276" r:id="rId20"/>
+    <p:sldId id="277" r:id="rId21"/>
+    <p:sldId id="258" r:id="rId22"/>
   </p:sldIdLst>
   <p:sldSz cx="12192000" cy="6858000"/>
   <p:notesSz cx="6858000" cy="9144000"/>
@@ -124,6 +130,14 @@
     </p:ext>
   </p:extLst>
 </p:presentation>
+</file>
+
+<file path=ppt/revisionInfo.xml><?xml version="1.0" encoding="utf-8"?>
+<p1510:revInfo xmlns:a="http://schemas.openxmlformats.org/drawingml/2006/main" xmlns:r="http://schemas.openxmlformats.org/officeDocument/2006/relationships" xmlns:p1510="http://schemas.microsoft.com/office/powerpoint/2015/10/main">
+  <p1510:revLst>
+    <p1510:client id="{BDD82A55-BA64-4F6B-A140-F9146E66B30A}" v="22" dt="2021-10-26T10:42:41.352"/>
+  </p1510:revLst>
+</p1510:revInfo>
 </file>
 
 <file path=ppt/slideLayouts/slideLayout1.xml><?xml version="1.0" encoding="utf-8"?>
@@ -4816,19 +4830,38 @@
           <a:lstStyle/>
           <a:p>
             <a:r>
-              <a:rPr kumimoji="1" lang="ja-JP" altLang="en-US"/>
-              <a:t>作業</a:t>
-            </a:r>
-            <a:endParaRPr kumimoji="1" lang="ja-JP" altLang="en-US" dirty="0"/>
+              <a:rPr kumimoji="1" lang="ja-JP" altLang="en-US" dirty="0"/>
+              <a:t>作業が終わるまでコミットして、一通りの作業が終わったら</a:t>
+            </a:r>
+            <a:r>
+              <a:rPr kumimoji="1" lang="en-US" altLang="ja-JP" dirty="0"/>
+              <a:t>Publish branch</a:t>
+            </a:r>
+            <a:r>
+              <a:rPr kumimoji="1" lang="ja-JP" altLang="en-US" dirty="0"/>
+              <a:t>を押して</a:t>
+            </a:r>
+            <a:br>
+              <a:rPr kumimoji="1" lang="en-US" altLang="ja-JP" dirty="0"/>
+            </a:br>
+            <a:r>
+              <a:rPr kumimoji="1" lang="en-US" altLang="ja-JP" dirty="0"/>
+              <a:t>Push</a:t>
+            </a:r>
+            <a:r>
+              <a:rPr kumimoji="1" lang="ja-JP" altLang="en-US" dirty="0"/>
+              <a:t>する。</a:t>
+            </a:r>
+            <a:endParaRPr kumimoji="1" lang="en-US" altLang="ja-JP" dirty="0"/>
           </a:p>
         </p:txBody>
       </p:sp>
       <p:pic>
         <p:nvPicPr>
-          <p:cNvPr id="8" name="図 7">
-            <a:extLst>
-              <a:ext uri="{FF2B5EF4-FFF2-40B4-BE49-F238E27FC236}">
-                <a16:creationId xmlns:a16="http://schemas.microsoft.com/office/drawing/2014/main" id="{8F71A611-370A-4C95-B2D0-9B38756CABFA}"/>
+          <p:cNvPr id="5" name="図 4">
+            <a:extLst>
+              <a:ext uri="{FF2B5EF4-FFF2-40B4-BE49-F238E27FC236}">
+                <a16:creationId xmlns:a16="http://schemas.microsoft.com/office/drawing/2014/main" id="{7AFA5837-1E8F-48BE-AA90-A42CC34F4529}"/>
               </a:ext>
             </a:extLst>
           </p:cNvPr>
@@ -4845,8 +4878,8 @@
         </p:blipFill>
         <p:spPr>
           <a:xfrm>
-            <a:off x="2078943" y="3068935"/>
-            <a:ext cx="7437765" cy="2370025"/>
+            <a:off x="2273089" y="2890931"/>
+            <a:ext cx="7407282" cy="2034716"/>
           </a:xfrm>
           <a:prstGeom prst="rect">
             <a:avLst/>
@@ -4906,8 +4939,13 @@
           <a:p>
             <a:r>
               <a:rPr kumimoji="1" lang="ja-JP" altLang="en-US" dirty="0"/>
-              <a:t>参考書籍、サイト</a:t>
-            </a:r>
+              <a:t>手順</a:t>
+            </a:r>
+            <a:r>
+              <a:rPr kumimoji="1" lang="en-US" altLang="ja-JP" dirty="0"/>
+              <a:t>6</a:t>
+            </a:r>
+            <a:endParaRPr kumimoji="1" lang="ja-JP" altLang="en-US" dirty="0"/>
           </a:p>
         </p:txBody>
       </p:sp>
@@ -4932,58 +4970,659 @@
           <a:bodyPr/>
           <a:lstStyle/>
           <a:p>
-            <a:pPr marL="342900" indent="-342900">
-              <a:buFont typeface="Arial" panose="020B0604020202020204" pitchFamily="34" charset="0"/>
-              <a:buChar char="•"/>
-            </a:pPr>
             <a:r>
               <a:rPr kumimoji="1" lang="en-US" altLang="ja-JP" dirty="0" err="1"/>
               <a:t>Github</a:t>
             </a:r>
             <a:r>
-              <a:rPr kumimoji="1" lang="ja-JP" altLang="en-US" dirty="0"/>
-              <a:t>実践入門 </a:t>
+              <a:rPr kumimoji="1" lang="en-US" altLang="ja-JP" dirty="0"/>
+              <a:t>( </a:t>
+            </a:r>
+            <a:r>
+              <a:rPr kumimoji="1" lang="en-US" altLang="ja-JP" dirty="0">
+                <a:hlinkClick r:id="rId2"/>
+              </a:rPr>
+              <a:t>https://github.com/</a:t>
+            </a:r>
+            <a:r>
+              <a:rPr kumimoji="1" lang="en-US" altLang="ja-JP" dirty="0"/>
+              <a:t> )</a:t>
+            </a:r>
+            <a:r>
+              <a:rPr kumimoji="1" lang="ja-JP" altLang="en-US" dirty="0"/>
+              <a:t>を開いて、太字で自分の作ったブランチ名が表示されていることを確認して</a:t>
             </a:r>
             <a:r>
               <a:rPr kumimoji="1" lang="en-US" altLang="ja-JP" dirty="0" err="1"/>
-              <a:t>PullRequest</a:t>
-            </a:r>
-            <a:r>
-              <a:rPr kumimoji="1" lang="ja-JP" altLang="en-US" dirty="0"/>
-              <a:t>による開発の変革　（著：大塚弘記）</a:t>
+              <a:t>compare&amp;pull</a:t>
+            </a:r>
+            <a:r>
+              <a:rPr kumimoji="1" lang="en-US" altLang="ja-JP" dirty="0"/>
+              <a:t> request</a:t>
+            </a:r>
+            <a:r>
+              <a:rPr kumimoji="1" lang="ja-JP" altLang="en-US" dirty="0"/>
+              <a:t>を押す。</a:t>
+            </a:r>
+            <a:endParaRPr kumimoji="1" lang="en-US" altLang="ja-JP" dirty="0"/>
+          </a:p>
+        </p:txBody>
+      </p:sp>
+      <p:pic>
+        <p:nvPicPr>
+          <p:cNvPr id="6" name="図 5">
+            <a:extLst>
+              <a:ext uri="{FF2B5EF4-FFF2-40B4-BE49-F238E27FC236}">
+                <a16:creationId xmlns:a16="http://schemas.microsoft.com/office/drawing/2014/main" id="{89CA76F1-5F90-4054-B138-05134033FEAE}"/>
+              </a:ext>
+            </a:extLst>
+          </p:cNvPr>
+          <p:cNvPicPr>
+            <a:picLocks noChangeAspect="1"/>
+          </p:cNvPicPr>
+          <p:nvPr/>
+        </p:nvPicPr>
+        <p:blipFill rotWithShape="1">
+          <a:blip r:embed="rId3"/>
+          <a:srcRect l="-1" r="738"/>
+          <a:stretch/>
+        </p:blipFill>
+        <p:spPr>
+          <a:xfrm>
+            <a:off x="1699891" y="2542994"/>
+            <a:ext cx="8783476" cy="4062170"/>
+          </a:xfrm>
+          <a:prstGeom prst="rect">
+            <a:avLst/>
+          </a:prstGeom>
+        </p:spPr>
+      </p:pic>
+    </p:spTree>
+    <p:extLst>
+      <p:ext uri="{BB962C8B-B14F-4D97-AF65-F5344CB8AC3E}">
+        <p14:creationId xmlns:p14="http://schemas.microsoft.com/office/powerpoint/2010/main" val="1204501540"/>
+      </p:ext>
+    </p:extLst>
+  </p:cSld>
+  <p:clrMapOvr>
+    <a:masterClrMapping/>
+  </p:clrMapOvr>
+</p:sld>
+</file>
+
+<file path=ppt/slides/slide16.xml><?xml version="1.0" encoding="utf-8"?>
+<p:sld xmlns:a="http://schemas.openxmlformats.org/drawingml/2006/main" xmlns:r="http://schemas.openxmlformats.org/officeDocument/2006/relationships" xmlns:p="http://schemas.openxmlformats.org/presentationml/2006/main">
+  <p:cSld>
+    <p:spTree>
+      <p:nvGrpSpPr>
+        <p:cNvPr id="1" name=""/>
+        <p:cNvGrpSpPr/>
+        <p:nvPr/>
+      </p:nvGrpSpPr>
+      <p:grpSpPr>
+        <a:xfrm>
+          <a:off x="0" y="0"/>
+          <a:ext cx="0" cy="0"/>
+          <a:chOff x="0" y="0"/>
+          <a:chExt cx="0" cy="0"/>
+        </a:xfrm>
+      </p:grpSpPr>
+      <p:sp>
+        <p:nvSpPr>
+          <p:cNvPr id="2" name="タイトル 1">
+            <a:extLst>
+              <a:ext uri="{FF2B5EF4-FFF2-40B4-BE49-F238E27FC236}">
+                <a16:creationId xmlns:a16="http://schemas.microsoft.com/office/drawing/2014/main" id="{E40BF07B-9B59-41C0-B19C-982567BCF2FA}"/>
+              </a:ext>
+            </a:extLst>
+          </p:cNvPr>
+          <p:cNvSpPr>
+            <a:spLocks noGrp="1"/>
+          </p:cNvSpPr>
+          <p:nvPr>
+            <p:ph type="title"/>
+          </p:nvPr>
+        </p:nvSpPr>
+        <p:spPr/>
+        <p:txBody>
+          <a:bodyPr/>
+          <a:lstStyle/>
+          <a:p>
+            <a:r>
+              <a:rPr kumimoji="1" lang="ja-JP" altLang="en-US" dirty="0"/>
+              <a:t>手順</a:t>
+            </a:r>
+            <a:r>
+              <a:rPr kumimoji="1" lang="en-US" altLang="ja-JP" dirty="0"/>
+              <a:t>7</a:t>
+            </a:r>
+            <a:endParaRPr kumimoji="1" lang="ja-JP" altLang="en-US" dirty="0"/>
+          </a:p>
+        </p:txBody>
+      </p:sp>
+      <p:sp>
+        <p:nvSpPr>
+          <p:cNvPr id="3" name="コンテンツ プレースホルダー 2">
+            <a:extLst>
+              <a:ext uri="{FF2B5EF4-FFF2-40B4-BE49-F238E27FC236}">
+                <a16:creationId xmlns:a16="http://schemas.microsoft.com/office/drawing/2014/main" id="{6542ED81-C1BF-4167-BA37-583CFD57B0AF}"/>
+              </a:ext>
+            </a:extLst>
+          </p:cNvPr>
+          <p:cNvSpPr>
+            <a:spLocks noGrp="1"/>
+          </p:cNvSpPr>
+          <p:nvPr>
+            <p:ph idx="1"/>
+          </p:nvPr>
+        </p:nvSpPr>
+        <p:spPr/>
+        <p:txBody>
+          <a:bodyPr/>
+          <a:lstStyle/>
+          <a:p>
+            <a:r>
+              <a:rPr kumimoji="1" lang="en-US" altLang="ja-JP" dirty="0"/>
+              <a:t>base</a:t>
+            </a:r>
+            <a:r>
+              <a:rPr kumimoji="1" lang="ja-JP" altLang="en-US" dirty="0"/>
+              <a:t>のところをデフォルトブランチ</a:t>
             </a:r>
             <a:br>
               <a:rPr kumimoji="1" lang="en-US" altLang="ja-JP" dirty="0"/>
             </a:br>
             <a:r>
               <a:rPr kumimoji="1" lang="en-US" altLang="ja-JP" dirty="0"/>
-              <a:t>URL</a:t>
-            </a:r>
-            <a:r>
-              <a:rPr kumimoji="1" lang="ja-JP" altLang="en-US" dirty="0"/>
-              <a:t>：</a:t>
-            </a:r>
-            <a:r>
-              <a:rPr kumimoji="1" lang="en-US" altLang="ja-JP" dirty="0">
-                <a:hlinkClick r:id="rId2"/>
-              </a:rPr>
-              <a:t>https://gihyo.jp/book/2014/978-4-7741-6366-6</a:t>
+              <a:t>compare</a:t>
+            </a:r>
+            <a:r>
+              <a:rPr kumimoji="1" lang="ja-JP" altLang="en-US" dirty="0"/>
+              <a:t>を手順２で作成した</a:t>
+            </a:r>
+            <a:br>
+              <a:rPr kumimoji="1" lang="en-US" altLang="ja-JP" dirty="0"/>
+            </a:br>
+            <a:r>
+              <a:rPr kumimoji="1" lang="ja-JP" altLang="en-US" dirty="0"/>
+              <a:t>ブランチ名を選択して、</a:t>
+            </a:r>
+            <a:br>
+              <a:rPr kumimoji="1" lang="en-US" altLang="ja-JP" dirty="0"/>
+            </a:br>
+            <a:r>
+              <a:rPr kumimoji="1" lang="ja-JP" altLang="en-US" dirty="0"/>
+              <a:t>タイトルと、コメントを入力して</a:t>
+            </a:r>
+            <a:br>
+              <a:rPr kumimoji="1" lang="en-US" altLang="ja-JP" dirty="0"/>
+            </a:br>
+            <a:r>
+              <a:rPr kumimoji="1" lang="en-US" altLang="ja-JP" dirty="0"/>
+              <a:t>Create pull request</a:t>
+            </a:r>
+            <a:r>
+              <a:rPr kumimoji="1" lang="ja-JP" altLang="en-US" dirty="0"/>
+              <a:t>を押す。</a:t>
             </a:r>
             <a:endParaRPr kumimoji="1" lang="en-US" altLang="ja-JP" dirty="0"/>
           </a:p>
-          <a:p>
-            <a:pPr marL="342900" indent="-342900">
-              <a:buFont typeface="Arial" panose="020B0604020202020204" pitchFamily="34" charset="0"/>
-              <a:buChar char="•"/>
-            </a:pPr>
-            <a:endParaRPr kumimoji="1" lang="ja-JP" altLang="en-US" dirty="0"/>
-          </a:p>
-        </p:txBody>
-      </p:sp>
+        </p:txBody>
+      </p:sp>
+      <p:pic>
+        <p:nvPicPr>
+          <p:cNvPr id="5" name="図 4">
+            <a:extLst>
+              <a:ext uri="{FF2B5EF4-FFF2-40B4-BE49-F238E27FC236}">
+                <a16:creationId xmlns:a16="http://schemas.microsoft.com/office/drawing/2014/main" id="{E0E56620-5480-4285-9E17-EB6883D3412D}"/>
+              </a:ext>
+            </a:extLst>
+          </p:cNvPr>
+          <p:cNvPicPr>
+            <a:picLocks noChangeAspect="1"/>
+          </p:cNvPicPr>
+          <p:nvPr/>
+        </p:nvPicPr>
+        <p:blipFill>
+          <a:blip r:embed="rId2"/>
+          <a:stretch>
+            <a:fillRect/>
+          </a:stretch>
+        </p:blipFill>
+        <p:spPr>
+          <a:xfrm>
+            <a:off x="5363777" y="1639615"/>
+            <a:ext cx="6070892" cy="4032884"/>
+          </a:xfrm>
+          <a:prstGeom prst="rect">
+            <a:avLst/>
+          </a:prstGeom>
+        </p:spPr>
+      </p:pic>
     </p:spTree>
     <p:extLst>
       <p:ext uri="{BB962C8B-B14F-4D97-AF65-F5344CB8AC3E}">
-        <p14:creationId xmlns:p14="http://schemas.microsoft.com/office/powerpoint/2010/main" val="1721128037"/>
+        <p14:creationId xmlns:p14="http://schemas.microsoft.com/office/powerpoint/2010/main" val="2531078944"/>
+      </p:ext>
+    </p:extLst>
+  </p:cSld>
+  <p:clrMapOvr>
+    <a:masterClrMapping/>
+  </p:clrMapOvr>
+</p:sld>
+</file>
+
+<file path=ppt/slides/slide17.xml><?xml version="1.0" encoding="utf-8"?>
+<p:sld xmlns:a="http://schemas.openxmlformats.org/drawingml/2006/main" xmlns:r="http://schemas.openxmlformats.org/officeDocument/2006/relationships" xmlns:p="http://schemas.openxmlformats.org/presentationml/2006/main">
+  <p:cSld>
+    <p:spTree>
+      <p:nvGrpSpPr>
+        <p:cNvPr id="1" name=""/>
+        <p:cNvGrpSpPr/>
+        <p:nvPr/>
+      </p:nvGrpSpPr>
+      <p:grpSpPr>
+        <a:xfrm>
+          <a:off x="0" y="0"/>
+          <a:ext cx="0" cy="0"/>
+          <a:chOff x="0" y="0"/>
+          <a:chExt cx="0" cy="0"/>
+        </a:xfrm>
+      </p:grpSpPr>
+      <p:sp>
+        <p:nvSpPr>
+          <p:cNvPr id="2" name="タイトル 1">
+            <a:extLst>
+              <a:ext uri="{FF2B5EF4-FFF2-40B4-BE49-F238E27FC236}">
+                <a16:creationId xmlns:a16="http://schemas.microsoft.com/office/drawing/2014/main" id="{E40BF07B-9B59-41C0-B19C-982567BCF2FA}"/>
+              </a:ext>
+            </a:extLst>
+          </p:cNvPr>
+          <p:cNvSpPr>
+            <a:spLocks noGrp="1"/>
+          </p:cNvSpPr>
+          <p:nvPr>
+            <p:ph type="title"/>
+          </p:nvPr>
+        </p:nvSpPr>
+        <p:spPr/>
+        <p:txBody>
+          <a:bodyPr/>
+          <a:lstStyle/>
+          <a:p>
+            <a:r>
+              <a:rPr kumimoji="1" lang="ja-JP" altLang="en-US" dirty="0"/>
+              <a:t>手順</a:t>
+            </a:r>
+            <a:r>
+              <a:rPr kumimoji="1" lang="en-US" altLang="ja-JP" dirty="0"/>
+              <a:t>8</a:t>
+            </a:r>
+            <a:endParaRPr kumimoji="1" lang="ja-JP" altLang="en-US" dirty="0"/>
+          </a:p>
+        </p:txBody>
+      </p:sp>
+      <p:sp>
+        <p:nvSpPr>
+          <p:cNvPr id="3" name="コンテンツ プレースホルダー 2">
+            <a:extLst>
+              <a:ext uri="{FF2B5EF4-FFF2-40B4-BE49-F238E27FC236}">
+                <a16:creationId xmlns:a16="http://schemas.microsoft.com/office/drawing/2014/main" id="{6542ED81-C1BF-4167-BA37-583CFD57B0AF}"/>
+              </a:ext>
+            </a:extLst>
+          </p:cNvPr>
+          <p:cNvSpPr>
+            <a:spLocks noGrp="1"/>
+          </p:cNvSpPr>
+          <p:nvPr>
+            <p:ph idx="1"/>
+          </p:nvPr>
+        </p:nvSpPr>
+        <p:spPr/>
+        <p:txBody>
+          <a:bodyPr/>
+          <a:lstStyle/>
+          <a:p>
+            <a:r>
+              <a:rPr kumimoji="1" lang="en-US" altLang="ja-JP" dirty="0" err="1"/>
+              <a:t>PullRequest</a:t>
+            </a:r>
+            <a:r>
+              <a:rPr kumimoji="1" lang="ja-JP" altLang="en-US" dirty="0"/>
+              <a:t>を作成した後、</a:t>
+            </a:r>
+            <a:br>
+              <a:rPr kumimoji="1" lang="en-US" altLang="ja-JP" dirty="0"/>
+            </a:br>
+            <a:r>
+              <a:rPr kumimoji="1" lang="ja-JP" altLang="en-US" dirty="0"/>
+              <a:t>すぐに</a:t>
+            </a:r>
+            <a:r>
+              <a:rPr kumimoji="1" lang="en-US" altLang="ja-JP" dirty="0"/>
+              <a:t>Teams</a:t>
+            </a:r>
+            <a:r>
+              <a:rPr kumimoji="1" lang="ja-JP" altLang="en-US" dirty="0"/>
+              <a:t>で報告して他の人に見てもらいましょう。</a:t>
+            </a:r>
+            <a:endParaRPr kumimoji="1" lang="en-US" altLang="ja-JP" dirty="0"/>
+          </a:p>
+        </p:txBody>
+      </p:sp>
+      <p:pic>
+        <p:nvPicPr>
+          <p:cNvPr id="8" name="図 7">
+            <a:extLst>
+              <a:ext uri="{FF2B5EF4-FFF2-40B4-BE49-F238E27FC236}">
+                <a16:creationId xmlns:a16="http://schemas.microsoft.com/office/drawing/2014/main" id="{21AD1433-4191-4BCF-A79B-A34370347339}"/>
+              </a:ext>
+            </a:extLst>
+          </p:cNvPr>
+          <p:cNvPicPr>
+            <a:picLocks noChangeAspect="1"/>
+          </p:cNvPicPr>
+          <p:nvPr/>
+        </p:nvPicPr>
+        <p:blipFill>
+          <a:blip r:embed="rId2"/>
+          <a:stretch>
+            <a:fillRect/>
+          </a:stretch>
+        </p:blipFill>
+        <p:spPr>
+          <a:xfrm>
+            <a:off x="1539447" y="3907901"/>
+            <a:ext cx="8920239" cy="1926369"/>
+          </a:xfrm>
+          <a:prstGeom prst="rect">
+            <a:avLst/>
+          </a:prstGeom>
+        </p:spPr>
+      </p:pic>
+    </p:spTree>
+    <p:extLst>
+      <p:ext uri="{BB962C8B-B14F-4D97-AF65-F5344CB8AC3E}">
+        <p14:creationId xmlns:p14="http://schemas.microsoft.com/office/powerpoint/2010/main" val="989027803"/>
+      </p:ext>
+    </p:extLst>
+  </p:cSld>
+  <p:clrMapOvr>
+    <a:masterClrMapping/>
+  </p:clrMapOvr>
+</p:sld>
+</file>
+
+<file path=ppt/slides/slide18.xml><?xml version="1.0" encoding="utf-8"?>
+<p:sld xmlns:a="http://schemas.openxmlformats.org/drawingml/2006/main" xmlns:r="http://schemas.openxmlformats.org/officeDocument/2006/relationships" xmlns:p="http://schemas.openxmlformats.org/presentationml/2006/main">
+  <p:cSld>
+    <p:spTree>
+      <p:nvGrpSpPr>
+        <p:cNvPr id="1" name=""/>
+        <p:cNvGrpSpPr/>
+        <p:nvPr/>
+      </p:nvGrpSpPr>
+      <p:grpSpPr>
+        <a:xfrm>
+          <a:off x="0" y="0"/>
+          <a:ext cx="0" cy="0"/>
+          <a:chOff x="0" y="0"/>
+          <a:chExt cx="0" cy="0"/>
+        </a:xfrm>
+      </p:grpSpPr>
+      <p:sp>
+        <p:nvSpPr>
+          <p:cNvPr id="2" name="タイトル 1">
+            <a:extLst>
+              <a:ext uri="{FF2B5EF4-FFF2-40B4-BE49-F238E27FC236}">
+                <a16:creationId xmlns:a16="http://schemas.microsoft.com/office/drawing/2014/main" id="{E40BF07B-9B59-41C0-B19C-982567BCF2FA}"/>
+              </a:ext>
+            </a:extLst>
+          </p:cNvPr>
+          <p:cNvSpPr>
+            <a:spLocks noGrp="1"/>
+          </p:cNvSpPr>
+          <p:nvPr>
+            <p:ph type="title"/>
+          </p:nvPr>
+        </p:nvSpPr>
+        <p:spPr/>
+        <p:txBody>
+          <a:bodyPr/>
+          <a:lstStyle/>
+          <a:p>
+            <a:r>
+              <a:rPr kumimoji="1" lang="ja-JP" altLang="en-US" dirty="0"/>
+              <a:t>手順</a:t>
+            </a:r>
+            <a:r>
+              <a:rPr kumimoji="1" lang="en-US" altLang="ja-JP" dirty="0"/>
+              <a:t>9</a:t>
+            </a:r>
+            <a:endParaRPr kumimoji="1" lang="ja-JP" altLang="en-US" dirty="0"/>
+          </a:p>
+        </p:txBody>
+      </p:sp>
+      <p:sp>
+        <p:nvSpPr>
+          <p:cNvPr id="3" name="コンテンツ プレースホルダー 2">
+            <a:extLst>
+              <a:ext uri="{FF2B5EF4-FFF2-40B4-BE49-F238E27FC236}">
+                <a16:creationId xmlns:a16="http://schemas.microsoft.com/office/drawing/2014/main" id="{6542ED81-C1BF-4167-BA37-583CFD57B0AF}"/>
+              </a:ext>
+            </a:extLst>
+          </p:cNvPr>
+          <p:cNvSpPr>
+            <a:spLocks noGrp="1"/>
+          </p:cNvSpPr>
+          <p:nvPr>
+            <p:ph idx="1"/>
+          </p:nvPr>
+        </p:nvSpPr>
+        <p:spPr/>
+        <p:txBody>
+          <a:bodyPr/>
+          <a:lstStyle/>
+          <a:p>
+            <a:r>
+              <a:rPr kumimoji="1" lang="en-US" altLang="ja-JP" dirty="0"/>
+              <a:t>Teams</a:t>
+            </a:r>
+            <a:r>
+              <a:rPr kumimoji="1" lang="ja-JP" altLang="en-US" dirty="0"/>
+              <a:t>に報告されたリンクから</a:t>
+            </a:r>
+            <a:br>
+              <a:rPr kumimoji="1" lang="en-US" altLang="ja-JP" dirty="0"/>
+            </a:br>
+            <a:r>
+              <a:rPr kumimoji="1" lang="ja-JP" altLang="en-US" dirty="0"/>
+              <a:t>アクセスして、</a:t>
+            </a:r>
+            <a:r>
+              <a:rPr kumimoji="1" lang="en-US" altLang="ja-JP" dirty="0"/>
+              <a:t>Merge</a:t>
+            </a:r>
+            <a:r>
+              <a:rPr kumimoji="1" lang="ja-JP" altLang="en-US" dirty="0"/>
+              <a:t> </a:t>
+            </a:r>
+            <a:r>
+              <a:rPr kumimoji="1" lang="en-US" altLang="ja-JP" dirty="0"/>
+              <a:t>pull</a:t>
+            </a:r>
+            <a:r>
+              <a:rPr kumimoji="1" lang="ja-JP" altLang="en-US" dirty="0"/>
+              <a:t> </a:t>
+            </a:r>
+            <a:r>
+              <a:rPr kumimoji="1" lang="en-US" altLang="ja-JP" dirty="0"/>
+              <a:t>request</a:t>
+            </a:r>
+            <a:r>
+              <a:rPr kumimoji="1" lang="ja-JP" altLang="en-US" dirty="0"/>
+              <a:t>を押す</a:t>
+            </a:r>
+            <a:endParaRPr kumimoji="1" lang="en-US" altLang="ja-JP" dirty="0"/>
+          </a:p>
+        </p:txBody>
+      </p:sp>
+      <p:pic>
+        <p:nvPicPr>
+          <p:cNvPr id="6" name="図 5">
+            <a:extLst>
+              <a:ext uri="{FF2B5EF4-FFF2-40B4-BE49-F238E27FC236}">
+                <a16:creationId xmlns:a16="http://schemas.microsoft.com/office/drawing/2014/main" id="{0ED1656F-1E9D-4A88-A577-A45C864FEBD0}"/>
+              </a:ext>
+            </a:extLst>
+          </p:cNvPr>
+          <p:cNvPicPr>
+            <a:picLocks noChangeAspect="1"/>
+          </p:cNvPicPr>
+          <p:nvPr/>
+        </p:nvPicPr>
+        <p:blipFill>
+          <a:blip r:embed="rId2"/>
+          <a:stretch>
+            <a:fillRect/>
+          </a:stretch>
+        </p:blipFill>
+        <p:spPr>
+          <a:xfrm>
+            <a:off x="3215286" y="2554015"/>
+            <a:ext cx="5761427" cy="3948286"/>
+          </a:xfrm>
+          <a:prstGeom prst="rect">
+            <a:avLst/>
+          </a:prstGeom>
+        </p:spPr>
+      </p:pic>
+    </p:spTree>
+    <p:extLst>
+      <p:ext uri="{BB962C8B-B14F-4D97-AF65-F5344CB8AC3E}">
+        <p14:creationId xmlns:p14="http://schemas.microsoft.com/office/powerpoint/2010/main" val="1282492515"/>
+      </p:ext>
+    </p:extLst>
+  </p:cSld>
+  <p:clrMapOvr>
+    <a:masterClrMapping/>
+  </p:clrMapOvr>
+</p:sld>
+</file>
+
+<file path=ppt/slides/slide19.xml><?xml version="1.0" encoding="utf-8"?>
+<p:sld xmlns:a="http://schemas.openxmlformats.org/drawingml/2006/main" xmlns:r="http://schemas.openxmlformats.org/officeDocument/2006/relationships" xmlns:p="http://schemas.openxmlformats.org/presentationml/2006/main">
+  <p:cSld>
+    <p:spTree>
+      <p:nvGrpSpPr>
+        <p:cNvPr id="1" name=""/>
+        <p:cNvGrpSpPr/>
+        <p:nvPr/>
+      </p:nvGrpSpPr>
+      <p:grpSpPr>
+        <a:xfrm>
+          <a:off x="0" y="0"/>
+          <a:ext cx="0" cy="0"/>
+          <a:chOff x="0" y="0"/>
+          <a:chExt cx="0" cy="0"/>
+        </a:xfrm>
+      </p:grpSpPr>
+      <p:sp>
+        <p:nvSpPr>
+          <p:cNvPr id="2" name="タイトル 1">
+            <a:extLst>
+              <a:ext uri="{FF2B5EF4-FFF2-40B4-BE49-F238E27FC236}">
+                <a16:creationId xmlns:a16="http://schemas.microsoft.com/office/drawing/2014/main" id="{E40BF07B-9B59-41C0-B19C-982567BCF2FA}"/>
+              </a:ext>
+            </a:extLst>
+          </p:cNvPr>
+          <p:cNvSpPr>
+            <a:spLocks noGrp="1"/>
+          </p:cNvSpPr>
+          <p:nvPr>
+            <p:ph type="title"/>
+          </p:nvPr>
+        </p:nvSpPr>
+        <p:spPr/>
+        <p:txBody>
+          <a:bodyPr/>
+          <a:lstStyle/>
+          <a:p>
+            <a:r>
+              <a:rPr kumimoji="1" lang="ja-JP" altLang="en-US" dirty="0"/>
+              <a:t>手順</a:t>
+            </a:r>
+            <a:r>
+              <a:rPr kumimoji="1" lang="en-US" altLang="ja-JP" dirty="0"/>
+              <a:t>10</a:t>
+            </a:r>
+            <a:endParaRPr kumimoji="1" lang="ja-JP" altLang="en-US" dirty="0"/>
+          </a:p>
+        </p:txBody>
+      </p:sp>
+      <p:sp>
+        <p:nvSpPr>
+          <p:cNvPr id="3" name="コンテンツ プレースホルダー 2">
+            <a:extLst>
+              <a:ext uri="{FF2B5EF4-FFF2-40B4-BE49-F238E27FC236}">
+                <a16:creationId xmlns:a16="http://schemas.microsoft.com/office/drawing/2014/main" id="{6542ED81-C1BF-4167-BA37-583CFD57B0AF}"/>
+              </a:ext>
+            </a:extLst>
+          </p:cNvPr>
+          <p:cNvSpPr>
+            <a:spLocks noGrp="1"/>
+          </p:cNvSpPr>
+          <p:nvPr>
+            <p:ph idx="1"/>
+          </p:nvPr>
+        </p:nvSpPr>
+        <p:spPr/>
+        <p:txBody>
+          <a:bodyPr/>
+          <a:lstStyle/>
+          <a:p>
+            <a:r>
+              <a:rPr kumimoji="1" lang="ja-JP" altLang="en-US" dirty="0"/>
+              <a:t>紫のアイコンになったらマージ完了です！</a:t>
+            </a:r>
+            <a:endParaRPr kumimoji="1" lang="en-US" altLang="ja-JP" dirty="0"/>
+          </a:p>
+        </p:txBody>
+      </p:sp>
+      <p:pic>
+        <p:nvPicPr>
+          <p:cNvPr id="6" name="図 5">
+            <a:extLst>
+              <a:ext uri="{FF2B5EF4-FFF2-40B4-BE49-F238E27FC236}">
+                <a16:creationId xmlns:a16="http://schemas.microsoft.com/office/drawing/2014/main" id="{B2CEE79D-5BC5-4728-8668-74C6BC297B1A}"/>
+              </a:ext>
+            </a:extLst>
+          </p:cNvPr>
+          <p:cNvPicPr>
+            <a:picLocks noChangeAspect="1"/>
+          </p:cNvPicPr>
+          <p:nvPr/>
+        </p:nvPicPr>
+        <p:blipFill>
+          <a:blip r:embed="rId2"/>
+          <a:stretch>
+            <a:fillRect/>
+          </a:stretch>
+        </p:blipFill>
+        <p:spPr>
+          <a:xfrm>
+            <a:off x="3284020" y="2665666"/>
+            <a:ext cx="5615218" cy="3642170"/>
+          </a:xfrm>
+          <a:prstGeom prst="rect">
+            <a:avLst/>
+          </a:prstGeom>
+        </p:spPr>
+      </p:pic>
+    </p:spTree>
+    <p:extLst>
+      <p:ext uri="{BB962C8B-B14F-4D97-AF65-F5344CB8AC3E}">
+        <p14:creationId xmlns:p14="http://schemas.microsoft.com/office/powerpoint/2010/main" val="1103739498"/>
       </p:ext>
     </p:extLst>
   </p:cSld>
@@ -5064,50 +5703,49 @@
               <a:buChar char="•"/>
             </a:pPr>
             <a:r>
-              <a:rPr kumimoji="1" lang="ja-JP" altLang="en-US"/>
+              <a:rPr kumimoji="1" lang="ja-JP" altLang="en-US" dirty="0"/>
               <a:t>この資料は、</a:t>
             </a:r>
             <a:r>
-              <a:rPr kumimoji="1" lang="en-US" altLang="ja-JP"/>
+              <a:rPr kumimoji="1" lang="en-US" altLang="ja-JP" dirty="0"/>
+              <a:t>Web</a:t>
+            </a:r>
+            <a:r>
+              <a:rPr kumimoji="1" lang="ja-JP" altLang="en-US" dirty="0"/>
+              <a:t>プログラミング演習（</a:t>
+            </a:r>
+            <a:r>
+              <a:rPr kumimoji="1" lang="en-US" altLang="ja-JP" dirty="0"/>
+              <a:t>Teams</a:t>
+            </a:r>
+            <a:r>
+              <a:rPr kumimoji="1" lang="ja-JP" altLang="en-US" dirty="0"/>
+              <a:t>）で配布されている</a:t>
+            </a:r>
+            <a:br>
+              <a:rPr kumimoji="1" lang="en-US" altLang="ja-JP" dirty="0"/>
+            </a:br>
+            <a:r>
+              <a:rPr kumimoji="1" lang="en-US" altLang="ja-JP" sz="2400" b="1" dirty="0" err="1"/>
               <a:t>Github</a:t>
             </a:r>
             <a:r>
-              <a:rPr kumimoji="1" lang="ja-JP" altLang="en-US"/>
-              <a:t>アカウントを作り、</a:t>
-            </a:r>
-            <a:r>
-              <a:rPr kumimoji="1" lang="en-US" altLang="ja-JP"/>
-              <a:t>Web</a:t>
-            </a:r>
-            <a:r>
-              <a:rPr kumimoji="1" lang="ja-JP" altLang="en-US"/>
-              <a:t>プログラミング演習（</a:t>
-            </a:r>
-            <a:r>
-              <a:rPr kumimoji="1" lang="en-US" altLang="ja-JP"/>
-              <a:t>Teams</a:t>
-            </a:r>
-            <a:r>
-              <a:rPr kumimoji="1" lang="ja-JP" altLang="en-US"/>
-              <a:t>）で配布されている</a:t>
-            </a:r>
-            <a:r>
-              <a:rPr kumimoji="1" lang="en-US" altLang="ja-JP"/>
-              <a:t>Github</a:t>
-            </a:r>
-            <a:r>
-              <a:rPr kumimoji="1" lang="ja-JP" altLang="en-US"/>
+              <a:rPr kumimoji="1" lang="ja-JP" altLang="en-US" sz="2400" b="1" dirty="0"/>
               <a:t>の</a:t>
             </a:r>
             <a:r>
-              <a:rPr kumimoji="1" lang="en-US" altLang="ja-JP"/>
+              <a:rPr kumimoji="1" lang="en-US" altLang="ja-JP" sz="2400" b="1" dirty="0"/>
               <a:t>PDF</a:t>
             </a:r>
             <a:r>
-              <a:rPr kumimoji="1" lang="ja-JP" altLang="en-US"/>
-              <a:t>資料を読んだ方向けです。読んでない方は、それを読んでからこの資料に取り組んで下さい！</a:t>
-            </a:r>
-            <a:endParaRPr kumimoji="1" lang="en-US" altLang="ja-JP"/>
+              <a:rPr kumimoji="1" lang="ja-JP" altLang="en-US" sz="2400" b="1" dirty="0"/>
+              <a:t>資料を読んだ方向け</a:t>
+            </a:r>
+            <a:r>
+              <a:rPr kumimoji="1" lang="ja-JP" altLang="en-US" dirty="0"/>
+              <a:t>です。</a:t>
+            </a:r>
+            <a:endParaRPr kumimoji="1" lang="en-US" altLang="ja-JP" dirty="0"/>
           </a:p>
           <a:p>
             <a:pPr marL="342900" indent="-342900">
@@ -5115,21 +5753,25 @@
               <a:buChar char="•"/>
             </a:pPr>
             <a:r>
-              <a:rPr kumimoji="1" lang="en-US" altLang="ja-JP"/>
-              <a:t>Github Desktop</a:t>
-            </a:r>
-            <a:r>
-              <a:rPr kumimoji="1" lang="ja-JP" altLang="en-US"/>
-              <a:t>版を使った方法を紹介します。</a:t>
-            </a:r>
-            <a:endParaRPr kumimoji="1" lang="en-US" altLang="ja-JP"/>
+              <a:rPr kumimoji="1" lang="en-US" altLang="ja-JP" dirty="0" err="1"/>
+              <a:t>Github</a:t>
+            </a:r>
+            <a:r>
+              <a:rPr kumimoji="1" lang="en-US" altLang="ja-JP" dirty="0"/>
+              <a:t> Desktop</a:t>
+            </a:r>
+            <a:r>
+              <a:rPr kumimoji="1" lang="ja-JP" altLang="en-US" dirty="0"/>
+              <a:t>版を使った方法をご紹介します。尚、この資料内にはコードレビューの方法は記載しておりません。</a:t>
+            </a:r>
+            <a:endParaRPr kumimoji="1" lang="en-US" altLang="ja-JP" dirty="0"/>
           </a:p>
           <a:p>
             <a:pPr marL="342900" indent="-342900">
               <a:buFont typeface="Arial" panose="020B0604020202020204" pitchFamily="34" charset="0"/>
               <a:buChar char="•"/>
             </a:pPr>
-            <a:endParaRPr kumimoji="1" lang="en-US" altLang="ja-JP"/>
+            <a:endParaRPr kumimoji="1" lang="en-US" altLang="ja-JP" dirty="0"/>
           </a:p>
           <a:p>
             <a:pPr marL="342900" indent="-342900">
@@ -5137,50 +5779,58 @@
               <a:buChar char="•"/>
             </a:pPr>
             <a:r>
-              <a:rPr kumimoji="1" lang="ja-JP" altLang="en-US"/>
-              <a:t>資料に関しての誤表記、間違いがある場合は</a:t>
-            </a:r>
-            <a:r>
-              <a:rPr kumimoji="1" lang="en-US" altLang="ja-JP"/>
+              <a:rPr kumimoji="1" lang="ja-JP" altLang="en-US" dirty="0"/>
+              <a:t>作成者自身、</a:t>
+            </a:r>
+            <a:r>
+              <a:rPr kumimoji="1" lang="en-US" altLang="ja-JP" dirty="0" err="1"/>
+              <a:t>Github</a:t>
+            </a:r>
+            <a:r>
+              <a:rPr kumimoji="1" lang="ja-JP" altLang="en-US" dirty="0"/>
+              <a:t>に関して全て分かっているわけではございませんので申し訳ございませんが、資料に関しての誤表記、間違いがある場合は</a:t>
+            </a:r>
+            <a:r>
+              <a:rPr kumimoji="1" lang="en-US" altLang="ja-JP" dirty="0"/>
               <a:t>issue</a:t>
             </a:r>
             <a:r>
-              <a:rPr kumimoji="1" lang="ja-JP" altLang="en-US"/>
+              <a:rPr kumimoji="1" lang="ja-JP" altLang="en-US" dirty="0"/>
               <a:t>に記入をお願いします。</a:t>
             </a:r>
             <a:br>
-              <a:rPr kumimoji="1" lang="en-US" altLang="ja-JP"/>
+              <a:rPr kumimoji="1" lang="en-US" altLang="ja-JP" dirty="0"/>
             </a:br>
             <a:r>
-              <a:rPr kumimoji="1" lang="ja-JP" altLang="en-US"/>
-              <a:t>なるべく早く修正します。下記の</a:t>
-            </a:r>
-            <a:r>
-              <a:rPr kumimoji="1" lang="en-US" altLang="ja-JP"/>
+              <a:rPr kumimoji="1" lang="ja-JP" altLang="en-US" dirty="0"/>
+              <a:t>下記の</a:t>
+            </a:r>
+            <a:r>
+              <a:rPr kumimoji="1" lang="en-US" altLang="ja-JP" dirty="0"/>
               <a:t>URL</a:t>
             </a:r>
             <a:r>
-              <a:rPr kumimoji="1" lang="ja-JP" altLang="en-US"/>
-              <a:t>から誤表記、間違いの指摘をお願いします。</a:t>
+              <a:rPr kumimoji="1" lang="ja-JP" altLang="en-US" dirty="0"/>
+              <a:t>からお願いします。チームメンバー用に作ってあるのでご容赦ください。</a:t>
             </a:r>
             <a:br>
-              <a:rPr kumimoji="1" lang="en-US" altLang="ja-JP"/>
+              <a:rPr kumimoji="1" lang="en-US" altLang="ja-JP" dirty="0"/>
             </a:br>
             <a:r>
-              <a:rPr kumimoji="1" lang="en-US" altLang="ja-JP"/>
+              <a:rPr kumimoji="1" lang="en-US" altLang="ja-JP" dirty="0"/>
               <a:t>URL</a:t>
             </a:r>
             <a:r>
-              <a:rPr kumimoji="1" lang="ja-JP" altLang="en-US"/>
+              <a:rPr kumimoji="1" lang="ja-JP" altLang="en-US" dirty="0"/>
               <a:t>：</a:t>
             </a:r>
             <a:r>
-              <a:rPr kumimoji="1" lang="en-US" altLang="ja-JP">
+              <a:rPr kumimoji="1" lang="en-US" altLang="ja-JP" dirty="0">
                 <a:hlinkClick r:id="rId2"/>
               </a:rPr>
               <a:t>https://github.com/koki-sys/syuboard/issues/new</a:t>
             </a:r>
-            <a:endParaRPr kumimoji="1" lang="en-US" altLang="ja-JP"/>
+            <a:endParaRPr kumimoji="1" lang="en-US" altLang="ja-JP" dirty="0"/>
           </a:p>
           <a:p>
             <a:pPr marL="342900" indent="-342900">
@@ -5188,19 +5838,19 @@
               <a:buChar char="•"/>
             </a:pPr>
             <a:r>
-              <a:rPr kumimoji="1" lang="en-US" altLang="ja-JP"/>
+              <a:rPr kumimoji="1" lang="en-US" altLang="ja-JP" dirty="0"/>
               <a:t>issue</a:t>
             </a:r>
             <a:r>
-              <a:rPr kumimoji="1" lang="ja-JP" altLang="en-US"/>
+              <a:rPr kumimoji="1" lang="ja-JP" altLang="en-US" dirty="0"/>
               <a:t>知らんよ！って人は、</a:t>
             </a:r>
             <a:r>
-              <a:rPr kumimoji="1" lang="en-US" altLang="ja-JP"/>
+              <a:rPr kumimoji="1" lang="en-US" altLang="ja-JP" dirty="0"/>
               <a:t>Teams</a:t>
             </a:r>
             <a:r>
-              <a:rPr kumimoji="1" lang="ja-JP" altLang="en-US"/>
+              <a:rPr kumimoji="1" lang="ja-JP" altLang="en-US" dirty="0"/>
               <a:t>の個人チャット（高橋幸暉）にお願いします。</a:t>
             </a:r>
             <a:endParaRPr kumimoji="1" lang="en-US" altLang="ja-JP" dirty="0"/>
@@ -5211,6 +5861,431 @@
     <p:extLst>
       <p:ext uri="{BB962C8B-B14F-4D97-AF65-F5344CB8AC3E}">
         <p14:creationId xmlns:p14="http://schemas.microsoft.com/office/powerpoint/2010/main" val="1118704998"/>
+      </p:ext>
+    </p:extLst>
+  </p:cSld>
+  <p:clrMapOvr>
+    <a:masterClrMapping/>
+  </p:clrMapOvr>
+</p:sld>
+</file>
+
+<file path=ppt/slides/slide20.xml><?xml version="1.0" encoding="utf-8"?>
+<p:sld xmlns:a="http://schemas.openxmlformats.org/drawingml/2006/main" xmlns:r="http://schemas.openxmlformats.org/officeDocument/2006/relationships" xmlns:p="http://schemas.openxmlformats.org/presentationml/2006/main">
+  <p:cSld>
+    <p:spTree>
+      <p:nvGrpSpPr>
+        <p:cNvPr id="1" name=""/>
+        <p:cNvGrpSpPr/>
+        <p:nvPr/>
+      </p:nvGrpSpPr>
+      <p:grpSpPr>
+        <a:xfrm>
+          <a:off x="0" y="0"/>
+          <a:ext cx="0" cy="0"/>
+          <a:chOff x="0" y="0"/>
+          <a:chExt cx="0" cy="0"/>
+        </a:xfrm>
+      </p:grpSpPr>
+      <p:sp>
+        <p:nvSpPr>
+          <p:cNvPr id="2" name="タイトル 1">
+            <a:extLst>
+              <a:ext uri="{FF2B5EF4-FFF2-40B4-BE49-F238E27FC236}">
+                <a16:creationId xmlns:a16="http://schemas.microsoft.com/office/drawing/2014/main" id="{E40BF07B-9B59-41C0-B19C-982567BCF2FA}"/>
+              </a:ext>
+            </a:extLst>
+          </p:cNvPr>
+          <p:cNvSpPr>
+            <a:spLocks noGrp="1"/>
+          </p:cNvSpPr>
+          <p:nvPr>
+            <p:ph type="title"/>
+          </p:nvPr>
+        </p:nvSpPr>
+        <p:spPr/>
+        <p:txBody>
+          <a:bodyPr/>
+          <a:lstStyle/>
+          <a:p>
+            <a:r>
+              <a:rPr kumimoji="1" lang="ja-JP" altLang="en-US" dirty="0"/>
+              <a:t>手順</a:t>
+            </a:r>
+            <a:r>
+              <a:rPr kumimoji="1" lang="en-US" altLang="ja-JP" dirty="0"/>
+              <a:t>11</a:t>
+            </a:r>
+            <a:endParaRPr kumimoji="1" lang="ja-JP" altLang="en-US" dirty="0"/>
+          </a:p>
+        </p:txBody>
+      </p:sp>
+      <p:sp>
+        <p:nvSpPr>
+          <p:cNvPr id="3" name="コンテンツ プレースホルダー 2">
+            <a:extLst>
+              <a:ext uri="{FF2B5EF4-FFF2-40B4-BE49-F238E27FC236}">
+                <a16:creationId xmlns:a16="http://schemas.microsoft.com/office/drawing/2014/main" id="{6542ED81-C1BF-4167-BA37-583CFD57B0AF}"/>
+              </a:ext>
+            </a:extLst>
+          </p:cNvPr>
+          <p:cNvSpPr>
+            <a:spLocks noGrp="1"/>
+          </p:cNvSpPr>
+          <p:nvPr>
+            <p:ph idx="1"/>
+          </p:nvPr>
+        </p:nvSpPr>
+        <p:spPr/>
+        <p:txBody>
+          <a:bodyPr/>
+          <a:lstStyle/>
+          <a:p>
+            <a:r>
+              <a:rPr kumimoji="1" lang="ja-JP" altLang="en-US" dirty="0"/>
+              <a:t>プルリクを作成した人のみ、デフォルトブランチに移動して</a:t>
+            </a:r>
+            <a:r>
+              <a:rPr kumimoji="1" lang="en-US" altLang="ja-JP" dirty="0"/>
+              <a:t>pull</a:t>
+            </a:r>
+            <a:r>
+              <a:rPr kumimoji="1" lang="ja-JP" altLang="en-US" dirty="0"/>
+              <a:t>する</a:t>
+            </a:r>
+            <a:endParaRPr kumimoji="1" lang="en-US" altLang="ja-JP" dirty="0"/>
+          </a:p>
+          <a:p>
+            <a:r>
+              <a:rPr kumimoji="1" lang="en-US" altLang="ja-JP" dirty="0"/>
+              <a:t>Repository</a:t>
+            </a:r>
+            <a:r>
+              <a:rPr kumimoji="1" lang="ja-JP" altLang="en-US" dirty="0"/>
+              <a:t>→</a:t>
+            </a:r>
+            <a:r>
+              <a:rPr kumimoji="1" lang="en-US" altLang="ja-JP" dirty="0"/>
+              <a:t>pull</a:t>
+            </a:r>
+            <a:r>
+              <a:rPr kumimoji="1" lang="ja-JP" altLang="en-US" dirty="0"/>
+              <a:t>を押す</a:t>
+            </a:r>
+            <a:endParaRPr kumimoji="1" lang="en-US" altLang="ja-JP" dirty="0"/>
+          </a:p>
+        </p:txBody>
+      </p:sp>
+      <p:pic>
+        <p:nvPicPr>
+          <p:cNvPr id="8" name="図 7">
+            <a:extLst>
+              <a:ext uri="{FF2B5EF4-FFF2-40B4-BE49-F238E27FC236}">
+                <a16:creationId xmlns:a16="http://schemas.microsoft.com/office/drawing/2014/main" id="{03D799C7-6866-42A3-91E3-C32EB2298B49}"/>
+              </a:ext>
+            </a:extLst>
+          </p:cNvPr>
+          <p:cNvPicPr>
+            <a:picLocks noChangeAspect="1"/>
+          </p:cNvPicPr>
+          <p:nvPr/>
+        </p:nvPicPr>
+        <p:blipFill rotWithShape="1">
+          <a:blip r:embed="rId2"/>
+          <a:srcRect l="1287" t="3228"/>
+          <a:stretch/>
+        </p:blipFill>
+        <p:spPr>
+          <a:xfrm>
+            <a:off x="3180522" y="3508513"/>
+            <a:ext cx="5654420" cy="2425148"/>
+          </a:xfrm>
+          <a:prstGeom prst="rect">
+            <a:avLst/>
+          </a:prstGeom>
+        </p:spPr>
+      </p:pic>
+      <p:sp>
+        <p:nvSpPr>
+          <p:cNvPr id="9" name="正方形/長方形 8">
+            <a:extLst>
+              <a:ext uri="{FF2B5EF4-FFF2-40B4-BE49-F238E27FC236}">
+                <a16:creationId xmlns:a16="http://schemas.microsoft.com/office/drawing/2014/main" id="{9F729BE6-4BF5-4C1A-BC26-AF489756DBD7}"/>
+              </a:ext>
+            </a:extLst>
+          </p:cNvPr>
+          <p:cNvSpPr/>
+          <p:nvPr/>
+        </p:nvSpPr>
+        <p:spPr>
+          <a:xfrm>
+            <a:off x="5744817" y="3498574"/>
+            <a:ext cx="1133061" cy="387626"/>
+          </a:xfrm>
+          <a:prstGeom prst="rect">
+            <a:avLst/>
+          </a:prstGeom>
+          <a:noFill/>
+          <a:ln w="76200">
+            <a:solidFill>
+              <a:srgbClr val="FF0000"/>
+            </a:solidFill>
+          </a:ln>
+        </p:spPr>
+        <p:style>
+          <a:lnRef idx="2">
+            <a:schemeClr val="accent6"/>
+          </a:lnRef>
+          <a:fillRef idx="1">
+            <a:schemeClr val="lt1"/>
+          </a:fillRef>
+          <a:effectRef idx="0">
+            <a:schemeClr val="accent6"/>
+          </a:effectRef>
+          <a:fontRef idx="minor">
+            <a:schemeClr val="dk1"/>
+          </a:fontRef>
+        </p:style>
+        <p:txBody>
+          <a:bodyPr rtlCol="0" anchor="ctr"/>
+          <a:lstStyle/>
+          <a:p>
+            <a:pPr algn="ctr"/>
+            <a:endParaRPr kumimoji="1" lang="ja-JP" altLang="en-US"/>
+          </a:p>
+        </p:txBody>
+      </p:sp>
+    </p:spTree>
+    <p:extLst>
+      <p:ext uri="{BB962C8B-B14F-4D97-AF65-F5344CB8AC3E}">
+        <p14:creationId xmlns:p14="http://schemas.microsoft.com/office/powerpoint/2010/main" val="403397989"/>
+      </p:ext>
+    </p:extLst>
+  </p:cSld>
+  <p:clrMapOvr>
+    <a:masterClrMapping/>
+  </p:clrMapOvr>
+</p:sld>
+</file>
+
+<file path=ppt/slides/slide21.xml><?xml version="1.0" encoding="utf-8"?>
+<p:sld xmlns:a="http://schemas.openxmlformats.org/drawingml/2006/main" xmlns:r="http://schemas.openxmlformats.org/officeDocument/2006/relationships" xmlns:p="http://schemas.openxmlformats.org/presentationml/2006/main">
+  <p:cSld>
+    <p:spTree>
+      <p:nvGrpSpPr>
+        <p:cNvPr id="1" name=""/>
+        <p:cNvGrpSpPr/>
+        <p:nvPr/>
+      </p:nvGrpSpPr>
+      <p:grpSpPr>
+        <a:xfrm>
+          <a:off x="0" y="0"/>
+          <a:ext cx="0" cy="0"/>
+          <a:chOff x="0" y="0"/>
+          <a:chExt cx="0" cy="0"/>
+        </a:xfrm>
+      </p:grpSpPr>
+      <p:sp>
+        <p:nvSpPr>
+          <p:cNvPr id="2" name="タイトル 1">
+            <a:extLst>
+              <a:ext uri="{FF2B5EF4-FFF2-40B4-BE49-F238E27FC236}">
+                <a16:creationId xmlns:a16="http://schemas.microsoft.com/office/drawing/2014/main" id="{E40BF07B-9B59-41C0-B19C-982567BCF2FA}"/>
+              </a:ext>
+            </a:extLst>
+          </p:cNvPr>
+          <p:cNvSpPr>
+            <a:spLocks noGrp="1"/>
+          </p:cNvSpPr>
+          <p:nvPr>
+            <p:ph type="title"/>
+          </p:nvPr>
+        </p:nvSpPr>
+        <p:spPr/>
+        <p:txBody>
+          <a:bodyPr/>
+          <a:lstStyle/>
+          <a:p>
+            <a:r>
+              <a:rPr kumimoji="1" lang="ja-JP" altLang="en-US" dirty="0"/>
+              <a:t>参考書籍、サイト</a:t>
+            </a:r>
+          </a:p>
+        </p:txBody>
+      </p:sp>
+      <p:sp>
+        <p:nvSpPr>
+          <p:cNvPr id="3" name="コンテンツ プレースホルダー 2">
+            <a:extLst>
+              <a:ext uri="{FF2B5EF4-FFF2-40B4-BE49-F238E27FC236}">
+                <a16:creationId xmlns:a16="http://schemas.microsoft.com/office/drawing/2014/main" id="{6542ED81-C1BF-4167-BA37-583CFD57B0AF}"/>
+              </a:ext>
+            </a:extLst>
+          </p:cNvPr>
+          <p:cNvSpPr>
+            <a:spLocks noGrp="1"/>
+          </p:cNvSpPr>
+          <p:nvPr>
+            <p:ph idx="1"/>
+          </p:nvPr>
+        </p:nvSpPr>
+        <p:spPr/>
+        <p:txBody>
+          <a:bodyPr/>
+          <a:lstStyle/>
+          <a:p>
+            <a:pPr marL="342900" indent="-342900">
+              <a:buFont typeface="Arial" panose="020B0604020202020204" pitchFamily="34" charset="0"/>
+              <a:buChar char="•"/>
+            </a:pPr>
+            <a:r>
+              <a:rPr kumimoji="1" lang="en-US" altLang="ja-JP" dirty="0" err="1"/>
+              <a:t>Github</a:t>
+            </a:r>
+            <a:r>
+              <a:rPr kumimoji="1" lang="ja-JP" altLang="en-US" dirty="0"/>
+              <a:t>実践入門 </a:t>
+            </a:r>
+            <a:r>
+              <a:rPr kumimoji="1" lang="en-US" altLang="ja-JP" dirty="0" err="1"/>
+              <a:t>PullRequest</a:t>
+            </a:r>
+            <a:r>
+              <a:rPr kumimoji="1" lang="ja-JP" altLang="en-US" dirty="0"/>
+              <a:t>による開発の変革　（著：大塚弘記）</a:t>
+            </a:r>
+            <a:br>
+              <a:rPr kumimoji="1" lang="en-US" altLang="ja-JP" dirty="0"/>
+            </a:br>
+            <a:r>
+              <a:rPr kumimoji="1" lang="en-US" altLang="ja-JP" dirty="0"/>
+              <a:t>URL</a:t>
+            </a:r>
+            <a:r>
+              <a:rPr kumimoji="1" lang="ja-JP" altLang="en-US" dirty="0"/>
+              <a:t>：</a:t>
+            </a:r>
+            <a:r>
+              <a:rPr kumimoji="1" lang="en-US" altLang="ja-JP" dirty="0">
+                <a:hlinkClick r:id="rId2"/>
+              </a:rPr>
+              <a:t>https://gihyo.jp/book/2014/978-4-7741-6366-6</a:t>
+            </a:r>
+            <a:endParaRPr kumimoji="1" lang="en-US" altLang="ja-JP" dirty="0"/>
+          </a:p>
+          <a:p>
+            <a:pPr marL="342900" indent="-342900">
+              <a:buFont typeface="Arial" panose="020B0604020202020204" pitchFamily="34" charset="0"/>
+              <a:buChar char="•"/>
+            </a:pPr>
+            <a:endParaRPr kumimoji="1" lang="en-US" altLang="ja-JP" dirty="0"/>
+          </a:p>
+          <a:p>
+            <a:pPr marL="342900" indent="-342900">
+              <a:buFont typeface="Arial" panose="020B0604020202020204" pitchFamily="34" charset="0"/>
+              <a:buChar char="•"/>
+            </a:pPr>
+            <a:r>
+              <a:rPr kumimoji="1" lang="en-US" altLang="ja-JP" dirty="0" err="1"/>
+              <a:t>Github</a:t>
+            </a:r>
+            <a:r>
+              <a:rPr kumimoji="1" lang="ja-JP" altLang="en-US" dirty="0"/>
+              <a:t>、人種差別を連想させるコーディング用語の見直しへ</a:t>
+            </a:r>
+            <a:br>
+              <a:rPr kumimoji="1" lang="en-US" altLang="ja-JP" dirty="0"/>
+            </a:br>
+            <a:r>
+              <a:rPr kumimoji="1" lang="en-US" altLang="ja-JP" dirty="0"/>
+              <a:t>URL</a:t>
+            </a:r>
+            <a:r>
+              <a:rPr kumimoji="1" lang="ja-JP" altLang="en-US" dirty="0"/>
+              <a:t>：</a:t>
+            </a:r>
+            <a:r>
+              <a:rPr kumimoji="1" lang="en-US" altLang="ja-JP" dirty="0">
+                <a:hlinkClick r:id="rId3"/>
+              </a:rPr>
+              <a:t>https://www.gizmodo.jp/2020/06/github-to-remove-master-and-slave-coding-terms-widely-s.html</a:t>
+            </a:r>
+            <a:endParaRPr kumimoji="1" lang="en-US" altLang="ja-JP" dirty="0"/>
+          </a:p>
+          <a:p>
+            <a:endParaRPr kumimoji="1" lang="en-US" altLang="ja-JP" dirty="0"/>
+          </a:p>
+          <a:p>
+            <a:pPr marL="342900" indent="-342900">
+              <a:buFont typeface="Arial" panose="020B0604020202020204" pitchFamily="34" charset="0"/>
+              <a:buChar char="•"/>
+            </a:pPr>
+            <a:r>
+              <a:rPr kumimoji="1" lang="ja-JP" altLang="en-US" dirty="0"/>
+              <a:t>ブランチの運用 </a:t>
+            </a:r>
+            <a:r>
+              <a:rPr kumimoji="1" lang="en-US" altLang="ja-JP" dirty="0"/>
+              <a:t>– </a:t>
+            </a:r>
+            <a:r>
+              <a:rPr kumimoji="1" lang="ja-JP" altLang="en-US" dirty="0"/>
+              <a:t>サルでもわかる</a:t>
+            </a:r>
+            <a:r>
+              <a:rPr kumimoji="1" lang="en-US" altLang="ja-JP" dirty="0"/>
+              <a:t>Git</a:t>
+            </a:r>
+            <a:r>
+              <a:rPr kumimoji="1" lang="ja-JP" altLang="en-US" dirty="0"/>
+              <a:t>入門</a:t>
+            </a:r>
+            <a:br>
+              <a:rPr kumimoji="1" lang="en-US" altLang="ja-JP" dirty="0"/>
+            </a:br>
+            <a:r>
+              <a:rPr kumimoji="1" lang="en-US" altLang="ja-JP" dirty="0"/>
+              <a:t>URL</a:t>
+            </a:r>
+            <a:r>
+              <a:rPr kumimoji="1" lang="ja-JP" altLang="en-US" dirty="0"/>
+              <a:t>：</a:t>
+            </a:r>
+            <a:r>
+              <a:rPr kumimoji="1" lang="en-US" altLang="ja-JP" dirty="0">
+                <a:hlinkClick r:id="rId4"/>
+              </a:rPr>
+              <a:t>https://backlog.com/ja/git-tutorial/stepup/02/</a:t>
+            </a:r>
+            <a:endParaRPr kumimoji="1" lang="en-US" altLang="ja-JP" dirty="0"/>
+          </a:p>
+          <a:p>
+            <a:pPr marL="342900" indent="-342900">
+              <a:buFont typeface="Arial" panose="020B0604020202020204" pitchFamily="34" charset="0"/>
+              <a:buChar char="•"/>
+            </a:pPr>
+            <a:endParaRPr kumimoji="1" lang="en-US" altLang="ja-JP" dirty="0"/>
+          </a:p>
+          <a:p>
+            <a:pPr marL="342900" indent="-342900">
+              <a:buFont typeface="Arial" panose="020B0604020202020204" pitchFamily="34" charset="0"/>
+              <a:buChar char="•"/>
+            </a:pPr>
+            <a:endParaRPr kumimoji="1" lang="en-US" altLang="ja-JP" dirty="0"/>
+          </a:p>
+          <a:p>
+            <a:pPr marL="342900" indent="-342900">
+              <a:buFont typeface="Arial" panose="020B0604020202020204" pitchFamily="34" charset="0"/>
+              <a:buChar char="•"/>
+            </a:pPr>
+            <a:endParaRPr kumimoji="1" lang="ja-JP" altLang="en-US" dirty="0"/>
+          </a:p>
+        </p:txBody>
+      </p:sp>
+    </p:spTree>
+    <p:extLst>
+      <p:ext uri="{BB962C8B-B14F-4D97-AF65-F5344CB8AC3E}">
+        <p14:creationId xmlns:p14="http://schemas.microsoft.com/office/powerpoint/2010/main" val="1721128037"/>
       </p:ext>
     </p:extLst>
   </p:cSld>
@@ -5296,7 +6371,7 @@
             </a:r>
             <a:r>
               <a:rPr kumimoji="1" lang="ja-JP" altLang="en-US" dirty="0"/>
-              <a:t>は、自分が加えた変更を相手のリポジトリに取り込んでほしいときにする</a:t>
+              <a:t>は、自分が加えた変更をリポジトリに取り込んでほしいときにする</a:t>
             </a:r>
             <a:br>
               <a:rPr kumimoji="1" lang="en-US" altLang="ja-JP" dirty="0"/>
@@ -5308,76 +6383,42 @@
           </a:p>
         </p:txBody>
       </p:sp>
-      <p:sp>
-        <p:nvSpPr>
-          <p:cNvPr id="4" name="テキスト ボックス 3">
-            <a:extLst>
-              <a:ext uri="{FF2B5EF4-FFF2-40B4-BE49-F238E27FC236}">
-                <a16:creationId xmlns:a16="http://schemas.microsoft.com/office/drawing/2014/main" id="{D70D91FB-A116-46E2-85E5-960E3BCDA672}"/>
-              </a:ext>
-            </a:extLst>
-          </p:cNvPr>
-          <p:cNvSpPr txBox="1"/>
+      <p:pic>
+        <p:nvPicPr>
+          <p:cNvPr id="6" name="図 5" descr="ダイアグラム&#10;&#10;自動的に生成された説明">
+            <a:extLst>
+              <a:ext uri="{FF2B5EF4-FFF2-40B4-BE49-F238E27FC236}">
+                <a16:creationId xmlns:a16="http://schemas.microsoft.com/office/drawing/2014/main" id="{7F2E312E-6C2E-4E2A-92D9-A5601908DBCE}"/>
+              </a:ext>
+            </a:extLst>
+          </p:cNvPr>
+          <p:cNvPicPr>
+            <a:picLocks noChangeAspect="1"/>
+          </p:cNvPicPr>
           <p:nvPr/>
-        </p:nvSpPr>
+        </p:nvPicPr>
+        <p:blipFill>
+          <a:blip r:embed="rId2">
+            <a:extLst>
+              <a:ext uri="{28A0092B-C50C-407E-A947-70E740481C1C}">
+                <a14:useLocalDpi xmlns:a14="http://schemas.microsoft.com/office/drawing/2010/main" val="0"/>
+              </a:ext>
+            </a:extLst>
+          </a:blip>
+          <a:stretch>
+            <a:fillRect/>
+          </a:stretch>
+        </p:blipFill>
         <p:spPr>
           <a:xfrm>
-            <a:off x="4845134" y="3908289"/>
-            <a:ext cx="2492990" cy="646331"/>
+            <a:off x="3714366" y="3563937"/>
+            <a:ext cx="4763268" cy="2208258"/>
           </a:xfrm>
           <a:prstGeom prst="rect">
             <a:avLst/>
           </a:prstGeom>
-          <a:noFill/>
         </p:spPr>
-        <p:txBody>
-          <a:bodyPr wrap="none" rtlCol="0">
-            <a:spAutoFit/>
-          </a:bodyPr>
-          <a:lstStyle/>
-          <a:p>
-            <a:r>
-              <a:rPr kumimoji="1" lang="ja-JP" altLang="en-US" dirty="0">
-                <a:solidFill>
-                  <a:srgbClr val="FF0000"/>
-                </a:solidFill>
-              </a:rPr>
-              <a:t>画像を制作して入れる</a:t>
-            </a:r>
-            <a:br>
-              <a:rPr kumimoji="1" lang="en-US" altLang="ja-JP" dirty="0">
-                <a:solidFill>
-                  <a:srgbClr val="FF0000"/>
-                </a:solidFill>
-              </a:rPr>
-            </a:br>
-            <a:r>
-              <a:rPr kumimoji="1" lang="ja-JP" altLang="en-US" dirty="0">
-                <a:solidFill>
-                  <a:srgbClr val="FF0000"/>
-                </a:solidFill>
-              </a:rPr>
-              <a:t>（</a:t>
-            </a:r>
-            <a:r>
-              <a:rPr kumimoji="1" lang="en-US" altLang="ja-JP" dirty="0" err="1">
-                <a:solidFill>
-                  <a:srgbClr val="FF0000"/>
-                </a:solidFill>
-              </a:rPr>
-              <a:t>PullRequest</a:t>
-            </a:r>
-            <a:r>
-              <a:rPr kumimoji="1" lang="ja-JP" altLang="en-US" dirty="0">
-                <a:solidFill>
-                  <a:srgbClr val="FF0000"/>
-                </a:solidFill>
-              </a:rPr>
-              <a:t>の図）</a:t>
-            </a:r>
-          </a:p>
-        </p:txBody>
-      </p:sp>
+      </p:pic>
     </p:spTree>
     <p:extLst>
       <p:ext uri="{BB962C8B-B14F-4D97-AF65-F5344CB8AC3E}">
@@ -5486,6 +6527,53 @@
           </a:p>
         </p:txBody>
       </p:sp>
+      <p:pic>
+        <p:nvPicPr>
+          <p:cNvPr id="3074" name="Picture 2" descr="チームでプログラミングをしているイラスト">
+            <a:extLst>
+              <a:ext uri="{FF2B5EF4-FFF2-40B4-BE49-F238E27FC236}">
+                <a16:creationId xmlns:a16="http://schemas.microsoft.com/office/drawing/2014/main" id="{C778E7C5-C96C-4A09-9B3F-E4F402127B50}"/>
+              </a:ext>
+            </a:extLst>
+          </p:cNvPr>
+          <p:cNvPicPr>
+            <a:picLocks noChangeAspect="1" noChangeArrowheads="1"/>
+          </p:cNvPicPr>
+          <p:nvPr/>
+        </p:nvPicPr>
+        <p:blipFill>
+          <a:blip r:embed="rId2">
+            <a:extLst>
+              <a:ext uri="{28A0092B-C50C-407E-A947-70E740481C1C}">
+                <a14:useLocalDpi xmlns:a14="http://schemas.microsoft.com/office/drawing/2010/main" val="0"/>
+              </a:ext>
+            </a:extLst>
+          </a:blip>
+          <a:srcRect/>
+          <a:stretch>
+            <a:fillRect/>
+          </a:stretch>
+        </p:blipFill>
+        <p:spPr bwMode="auto">
+          <a:xfrm>
+            <a:off x="3948504" y="2364634"/>
+            <a:ext cx="4286250" cy="4286250"/>
+          </a:xfrm>
+          <a:prstGeom prst="rect">
+            <a:avLst/>
+          </a:prstGeom>
+          <a:noFill/>
+          <a:extLst>
+            <a:ext uri="{909E8E84-426E-40DD-AFC4-6F175D3DCCD1}">
+              <a14:hiddenFill xmlns:a14="http://schemas.microsoft.com/office/drawing/2010/main">
+                <a:solidFill>
+                  <a:srgbClr val="FFFFFF"/>
+                </a:solidFill>
+              </a14:hiddenFill>
+            </a:ext>
+          </a:extLst>
+        </p:spPr>
+      </p:pic>
     </p:spTree>
     <p:extLst>
       <p:ext uri="{BB962C8B-B14F-4D97-AF65-F5344CB8AC3E}">
@@ -5539,7 +6627,7 @@
           <a:p>
             <a:r>
               <a:rPr kumimoji="1" lang="ja-JP" altLang="en-US" dirty="0"/>
-              <a:t>ブランチについての説明</a:t>
+              <a:t>ブランチとは？</a:t>
             </a:r>
           </a:p>
         </p:txBody>
@@ -5565,17 +6653,21 @@
           <a:bodyPr/>
           <a:lstStyle/>
           <a:p>
-            <a:pPr marL="342900" indent="-342900">
-              <a:buFont typeface="Arial" panose="020B0604020202020204" pitchFamily="34" charset="0"/>
-              <a:buChar char="•"/>
-            </a:pPr>
-            <a:r>
-              <a:rPr kumimoji="1" lang="ja-JP" altLang="en-US" dirty="0"/>
-              <a:t>チーム開発で、自分が変更したファイルなどをリポジトリに取り込んでほしいとき</a:t>
+            <a:r>
+              <a:rPr kumimoji="1" lang="en-US" altLang="ja-JP" dirty="0"/>
+              <a:t>Pull request</a:t>
+            </a:r>
+            <a:r>
+              <a:rPr kumimoji="1" lang="ja-JP" altLang="en-US" dirty="0"/>
+              <a:t>に入る前にブランチについて、知っておく必要があります。</a:t>
             </a:r>
             <a:endParaRPr kumimoji="1" lang="en-US" altLang="ja-JP" dirty="0"/>
           </a:p>
           <a:p>
+            <a:r>
+              <a:rPr kumimoji="1" lang="ja-JP" altLang="en-US" dirty="0"/>
+              <a:t>ブランチには、統合ブランチと、トピックブランチの二つがあります。</a:t>
+            </a:r>
             <a:endParaRPr kumimoji="1" lang="en-US" altLang="ja-JP" dirty="0"/>
           </a:p>
           <a:p>
@@ -5590,6 +6682,53 @@
           </a:p>
         </p:txBody>
       </p:sp>
+      <p:pic>
+        <p:nvPicPr>
+          <p:cNvPr id="2050" name="Picture 2" descr="ブランチの運用｜サル先生のGit入門【プロジェクト管理ツールBacklog】">
+            <a:extLst>
+              <a:ext uri="{FF2B5EF4-FFF2-40B4-BE49-F238E27FC236}">
+                <a16:creationId xmlns:a16="http://schemas.microsoft.com/office/drawing/2014/main" id="{3A00B258-B251-43B9-980F-09F2D8F27106}"/>
+              </a:ext>
+            </a:extLst>
+          </p:cNvPr>
+          <p:cNvPicPr>
+            <a:picLocks noChangeAspect="1" noChangeArrowheads="1"/>
+          </p:cNvPicPr>
+          <p:nvPr/>
+        </p:nvPicPr>
+        <p:blipFill>
+          <a:blip r:embed="rId2">
+            <a:extLst>
+              <a:ext uri="{28A0092B-C50C-407E-A947-70E740481C1C}">
+                <a14:useLocalDpi xmlns:a14="http://schemas.microsoft.com/office/drawing/2010/main" val="0"/>
+              </a:ext>
+            </a:extLst>
+          </a:blip>
+          <a:srcRect/>
+          <a:stretch>
+            <a:fillRect/>
+          </a:stretch>
+        </p:blipFill>
+        <p:spPr bwMode="auto">
+          <a:xfrm>
+            <a:off x="2800970" y="3017975"/>
+            <a:ext cx="6226019" cy="2806355"/>
+          </a:xfrm>
+          <a:prstGeom prst="rect">
+            <a:avLst/>
+          </a:prstGeom>
+          <a:noFill/>
+          <a:extLst>
+            <a:ext uri="{909E8E84-426E-40DD-AFC4-6F175D3DCCD1}">
+              <a14:hiddenFill xmlns:a14="http://schemas.microsoft.com/office/drawing/2010/main">
+                <a:solidFill>
+                  <a:srgbClr val="FFFFFF"/>
+                </a:solidFill>
+              </a14:hiddenFill>
+            </a:ext>
+          </a:extLst>
+        </p:spPr>
+      </p:pic>
     </p:spTree>
     <p:extLst>
       <p:ext uri="{BB962C8B-B14F-4D97-AF65-F5344CB8AC3E}">
@@ -5643,7 +6782,7 @@
           <a:p>
             <a:r>
               <a:rPr kumimoji="1" lang="ja-JP" altLang="en-US" dirty="0"/>
-              <a:t>トピックブランチとは？</a:t>
+              <a:t>統合ブランチとは？</a:t>
             </a:r>
           </a:p>
         </p:txBody>
@@ -5675,11 +6814,46 @@
             </a:pPr>
             <a:r>
               <a:rPr kumimoji="1" lang="ja-JP" altLang="en-US" dirty="0"/>
-              <a:t>チーム開発で、自分が変更したファイルなどをリポジトリに取り込んでほしいとき</a:t>
+              <a:t>リリース版が何時でも作成可能なようしておくためのブランチです。</a:t>
             </a:r>
             <a:endParaRPr kumimoji="1" lang="en-US" altLang="ja-JP" dirty="0"/>
           </a:p>
           <a:p>
+            <a:pPr marL="342900" indent="-342900">
+              <a:buFont typeface="Arial" panose="020B0604020202020204" pitchFamily="34" charset="0"/>
+              <a:buChar char="•"/>
+            </a:pPr>
+            <a:r>
+              <a:rPr kumimoji="1" lang="ja-JP" altLang="en-US" dirty="0"/>
+              <a:t>機能追加や、バグ修正はこのブランチではやってはいけません。</a:t>
+            </a:r>
+            <a:endParaRPr kumimoji="1" lang="en-US" altLang="ja-JP" dirty="0"/>
+          </a:p>
+          <a:p>
+            <a:pPr marL="342900" indent="-342900">
+              <a:buFont typeface="Arial" panose="020B0604020202020204" pitchFamily="34" charset="0"/>
+              <a:buChar char="•"/>
+            </a:pPr>
+            <a:r>
+              <a:rPr kumimoji="1" lang="ja-JP" altLang="en-US" dirty="0"/>
+              <a:t>通常</a:t>
+            </a:r>
+            <a:r>
+              <a:rPr kumimoji="1" lang="en-US" altLang="ja-JP" dirty="0"/>
+              <a:t>main</a:t>
+            </a:r>
+            <a:r>
+              <a:rPr kumimoji="1" lang="ja-JP" altLang="en-US" dirty="0"/>
+              <a:t>や、</a:t>
+            </a:r>
+            <a:r>
+              <a:rPr kumimoji="1" lang="en-US" altLang="ja-JP" dirty="0"/>
+              <a:t>master</a:t>
+            </a:r>
+            <a:r>
+              <a:rPr kumimoji="1" lang="ja-JP" altLang="en-US" dirty="0"/>
+              <a:t>を統合ブランチとして使用します。</a:t>
+            </a:r>
             <a:endParaRPr kumimoji="1" lang="en-US" altLang="ja-JP" dirty="0"/>
           </a:p>
           <a:p>
@@ -5694,10 +6868,47 @@
           </a:p>
         </p:txBody>
       </p:sp>
+      <p:pic>
+        <p:nvPicPr>
+          <p:cNvPr id="5" name="図 4">
+            <a:extLst>
+              <a:ext uri="{FF2B5EF4-FFF2-40B4-BE49-F238E27FC236}">
+                <a16:creationId xmlns:a16="http://schemas.microsoft.com/office/drawing/2014/main" id="{FAF3A88C-584B-45DF-A4ED-65A3F72E8B04}"/>
+              </a:ext>
+            </a:extLst>
+          </p:cNvPr>
+          <p:cNvPicPr>
+            <a:picLocks noChangeAspect="1"/>
+          </p:cNvPicPr>
+          <p:nvPr/>
+        </p:nvPicPr>
+        <p:blipFill>
+          <a:blip r:embed="rId2"/>
+          <a:stretch>
+            <a:fillRect/>
+          </a:stretch>
+        </p:blipFill>
+        <p:spPr>
+          <a:xfrm>
+            <a:off x="8046803" y="3172943"/>
+            <a:ext cx="3017438" cy="1585809"/>
+          </a:xfrm>
+          <a:prstGeom prst="rect">
+            <a:avLst/>
+          </a:prstGeom>
+          <a:ln w="38100">
+            <a:solidFill>
+              <a:schemeClr val="bg1">
+                <a:lumMod val="75000"/>
+              </a:schemeClr>
+            </a:solidFill>
+          </a:ln>
+        </p:spPr>
+      </p:pic>
     </p:spTree>
     <p:extLst>
       <p:ext uri="{BB962C8B-B14F-4D97-AF65-F5344CB8AC3E}">
-        <p14:creationId xmlns:p14="http://schemas.microsoft.com/office/powerpoint/2010/main" val="3787292636"/>
+        <p14:creationId xmlns:p14="http://schemas.microsoft.com/office/powerpoint/2010/main" val="2182792218"/>
       </p:ext>
     </p:extLst>
   </p:cSld>
@@ -5747,7 +6958,7 @@
           <a:p>
             <a:r>
               <a:rPr kumimoji="1" lang="ja-JP" altLang="en-US" dirty="0"/>
-              <a:t>デフォルトブランチとは？</a:t>
+              <a:t>トピックブランチとは？</a:t>
             </a:r>
           </a:p>
         </p:txBody>
@@ -5779,11 +6990,8 @@
             </a:pPr>
             <a:r>
               <a:rPr kumimoji="1" lang="ja-JP" altLang="en-US" dirty="0"/>
-              <a:t>チーム開発で、自分が変更したファイルなどをリポジトリに取り込んでほしいとき</a:t>
-            </a:r>
-            <a:endParaRPr kumimoji="1" lang="en-US" altLang="ja-JP" dirty="0"/>
-          </a:p>
-          <a:p>
+              <a:t>機能追加やバグ修正などの作業を行うために作成するブランチです。</a:t>
+            </a:r>
             <a:endParaRPr kumimoji="1" lang="en-US" altLang="ja-JP" dirty="0"/>
           </a:p>
           <a:p>
@@ -5791,17 +6999,78 @@
               <a:buFont typeface="Arial" panose="020B0604020202020204" pitchFamily="34" charset="0"/>
               <a:buChar char="•"/>
             </a:pPr>
+            <a:r>
+              <a:rPr kumimoji="1" lang="ja-JP" altLang="en-US" dirty="0"/>
+              <a:t>作業が完了したら統合ブランチに取り込みます。</a:t>
+            </a:r>
+            <a:br>
+              <a:rPr kumimoji="1" lang="en-US" altLang="ja-JP" dirty="0"/>
+            </a:br>
+            <a:r>
+              <a:rPr kumimoji="1" lang="ja-JP" altLang="en-US" dirty="0"/>
+              <a:t>（この後の手順</a:t>
+            </a:r>
+            <a:r>
+              <a:rPr kumimoji="1" lang="en-US" altLang="ja-JP" dirty="0"/>
+              <a:t>6</a:t>
+            </a:r>
+            <a:r>
+              <a:rPr kumimoji="1" lang="ja-JP" altLang="en-US" dirty="0"/>
+              <a:t>～</a:t>
+            </a:r>
+            <a:r>
+              <a:rPr kumimoji="1" lang="en-US" altLang="ja-JP" dirty="0"/>
+              <a:t>10</a:t>
+            </a:r>
+            <a:r>
+              <a:rPr kumimoji="1" lang="ja-JP" altLang="en-US" dirty="0"/>
+              <a:t>でやることです）</a:t>
+            </a:r>
             <a:endParaRPr kumimoji="1" lang="en-US" altLang="ja-JP" dirty="0"/>
           </a:p>
-          <a:p>
-            <a:endParaRPr kumimoji="1" lang="ja-JP" altLang="en-US" dirty="0"/>
-          </a:p>
-        </p:txBody>
-      </p:sp>
+        </p:txBody>
+      </p:sp>
+      <p:pic>
+        <p:nvPicPr>
+          <p:cNvPr id="5" name="図 4">
+            <a:extLst>
+              <a:ext uri="{FF2B5EF4-FFF2-40B4-BE49-F238E27FC236}">
+                <a16:creationId xmlns:a16="http://schemas.microsoft.com/office/drawing/2014/main" id="{D020CF26-B7EE-4CF1-B380-263F20B1942A}"/>
+              </a:ext>
+            </a:extLst>
+          </p:cNvPr>
+          <p:cNvPicPr>
+            <a:picLocks noChangeAspect="1"/>
+          </p:cNvPicPr>
+          <p:nvPr/>
+        </p:nvPicPr>
+        <p:blipFill>
+          <a:blip r:embed="rId2"/>
+          <a:stretch>
+            <a:fillRect/>
+          </a:stretch>
+        </p:blipFill>
+        <p:spPr>
+          <a:xfrm>
+            <a:off x="8049689" y="3429000"/>
+            <a:ext cx="3010310" cy="1173511"/>
+          </a:xfrm>
+          <a:prstGeom prst="rect">
+            <a:avLst/>
+          </a:prstGeom>
+          <a:ln w="38100">
+            <a:solidFill>
+              <a:schemeClr val="bg1">
+                <a:lumMod val="65000"/>
+              </a:schemeClr>
+            </a:solidFill>
+          </a:ln>
+        </p:spPr>
+      </p:pic>
     </p:spTree>
     <p:extLst>
       <p:ext uri="{BB962C8B-B14F-4D97-AF65-F5344CB8AC3E}">
-        <p14:creationId xmlns:p14="http://schemas.microsoft.com/office/powerpoint/2010/main" val="2182792218"/>
+        <p14:creationId xmlns:p14="http://schemas.microsoft.com/office/powerpoint/2010/main" val="3787292636"/>
       </p:ext>
     </p:extLst>
   </p:cSld>
@@ -5851,7 +7120,7 @@
           <a:p>
             <a:r>
               <a:rPr kumimoji="1" lang="ja-JP" altLang="en-US" dirty="0"/>
-              <a:t>実際の流れ（ブランチの運用ルール）</a:t>
+              <a:t>ブランチの運用ルールの例</a:t>
             </a:r>
           </a:p>
         </p:txBody>
@@ -5879,8 +7148,121 @@
           <a:p>
             <a:r>
               <a:rPr kumimoji="1" lang="ja-JP" altLang="en-US" dirty="0"/>
-              <a:t>これはほんの一例です。</a:t>
-            </a:r>
+              <a:t>一つの方法として紹介します。</a:t>
+            </a:r>
+            <a:r>
+              <a:rPr kumimoji="1" lang="en-US" altLang="ja-JP" dirty="0"/>
+              <a:t>(</a:t>
+            </a:r>
+            <a:r>
+              <a:rPr kumimoji="1" lang="ja-JP" altLang="en-US" dirty="0"/>
+              <a:t>本当は</a:t>
+            </a:r>
+            <a:r>
+              <a:rPr kumimoji="1" lang="en-US" altLang="ja-JP" dirty="0"/>
+              <a:t>develop</a:t>
+            </a:r>
+            <a:r>
+              <a:rPr kumimoji="1" lang="ja-JP" altLang="en-US" dirty="0"/>
+              <a:t>も使いますが、省略しています</a:t>
+            </a:r>
+            <a:r>
+              <a:rPr kumimoji="1" lang="en-US" altLang="ja-JP" dirty="0"/>
+              <a:t>)</a:t>
+            </a:r>
+          </a:p>
+          <a:p>
+            <a:pPr marL="342900" indent="-342900">
+              <a:buFont typeface="Arial" panose="020B0604020202020204" pitchFamily="34" charset="0"/>
+              <a:buChar char="•"/>
+            </a:pPr>
+            <a:r>
+              <a:rPr kumimoji="1" lang="en-US" altLang="ja-JP" dirty="0"/>
+              <a:t>m</a:t>
+            </a:r>
+            <a:r>
+              <a:rPr kumimoji="1" lang="en-US" altLang="ja-JP"/>
+              <a:t>ain</a:t>
+            </a:r>
+            <a:r>
+              <a:rPr kumimoji="1" lang="en-US" altLang="ja-JP" dirty="0"/>
+              <a:t>: </a:t>
+            </a:r>
+            <a:r>
+              <a:rPr kumimoji="1" lang="ja-JP" altLang="en-US" dirty="0"/>
+              <a:t>統合ブランチ</a:t>
+            </a:r>
+            <a:endParaRPr kumimoji="1" lang="en-US" altLang="ja-JP" dirty="0"/>
+          </a:p>
+          <a:p>
+            <a:pPr marL="285750" indent="-285750">
+              <a:buFont typeface="Arial" panose="020B0604020202020204" pitchFamily="34" charset="0"/>
+              <a:buChar char="•"/>
+            </a:pPr>
+            <a:r>
+              <a:rPr lang="en-US" altLang="ja-JP" dirty="0"/>
+              <a:t>feature/</a:t>
+            </a:r>
+            <a:r>
+              <a:rPr lang="en-US" altLang="ja-JP" dirty="0" err="1"/>
+              <a:t>xxxxxxxx</a:t>
+            </a:r>
+            <a:r>
+              <a:rPr lang="en-US" altLang="ja-JP" dirty="0"/>
+              <a:t>: </a:t>
+            </a:r>
+            <a:r>
+              <a:rPr lang="ja-JP" altLang="en-US" dirty="0"/>
+              <a:t>機能の追加。 </a:t>
+            </a:r>
+            <a:r>
+              <a:rPr lang="en-US" altLang="ja-JP" dirty="0"/>
+              <a:t>main </a:t>
+            </a:r>
+            <a:r>
+              <a:rPr lang="ja-JP" altLang="en-US" dirty="0"/>
+              <a:t>から分岐し </a:t>
+            </a:r>
+            <a:r>
+              <a:rPr lang="en-US" altLang="ja-JP" dirty="0"/>
+              <a:t>main </a:t>
+            </a:r>
+            <a:r>
+              <a:rPr lang="ja-JP" altLang="en-US" dirty="0"/>
+              <a:t>にプルリクエストし、マージする。</a:t>
+            </a:r>
+          </a:p>
+          <a:p>
+            <a:pPr marL="285750" indent="-285750">
+              <a:buFont typeface="Arial" panose="020B0604020202020204" pitchFamily="34" charset="0"/>
+              <a:buChar char="•"/>
+            </a:pPr>
+            <a:r>
+              <a:rPr lang="en-US" altLang="ja-JP" dirty="0"/>
+              <a:t>fix/</a:t>
+            </a:r>
+            <a:r>
+              <a:rPr lang="en-US" altLang="ja-JP" dirty="0" err="1"/>
+              <a:t>xxxxxxxx</a:t>
+            </a:r>
+            <a:r>
+              <a:rPr lang="en-US" altLang="ja-JP" dirty="0"/>
+              <a:t>: </a:t>
+            </a:r>
+            <a:r>
+              <a:rPr lang="ja-JP" altLang="en-US" dirty="0"/>
+              <a:t>リリース後のクリティカルなバグフィックスなど、 現在のプロダクトのバージョンに対する変更用。 次に </a:t>
+            </a:r>
+            <a:r>
+              <a:rPr lang="en-US" altLang="ja-JP" dirty="0"/>
+              <a:t>main </a:t>
+            </a:r>
+            <a:r>
+              <a:rPr lang="ja-JP" altLang="en-US" dirty="0"/>
+              <a:t>にマージする。</a:t>
+            </a:r>
+          </a:p>
+          <a:p>
             <a:endParaRPr kumimoji="1" lang="en-US" altLang="ja-JP" dirty="0"/>
           </a:p>
           <a:p>
@@ -5904,6 +7286,14 @@
 <file path=ppt/slides/slide9.xml><?xml version="1.0" encoding="utf-8"?>
 <p:sld xmlns:a="http://schemas.openxmlformats.org/drawingml/2006/main" xmlns:r="http://schemas.openxmlformats.org/officeDocument/2006/relationships" xmlns:p="http://schemas.openxmlformats.org/presentationml/2006/main">
   <p:cSld>
+    <p:bg>
+      <p:bgPr>
+        <a:solidFill>
+          <a:schemeClr val="bg1"/>
+        </a:solidFill>
+        <a:effectLst/>
+      </p:bgPr>
+    </p:bg>
     <p:spTree>
       <p:nvGrpSpPr>
         <p:cNvPr id="1" name=""/>
@@ -5918,6 +7308,66 @@
           <a:chExt cx="0" cy="0"/>
         </a:xfrm>
       </p:grpSpPr>
+      <p:sp useBgFill="1">
+        <p:nvSpPr>
+          <p:cNvPr id="8" name="Rectangle 7">
+            <a:extLst>
+              <a:ext uri="{FF2B5EF4-FFF2-40B4-BE49-F238E27FC236}">
+                <a16:creationId xmlns:a16="http://schemas.microsoft.com/office/drawing/2014/main" id="{A4864A0B-4663-4052-A3D8-E2BB2CFCEAB9}"/>
+              </a:ext>
+              <a:ext uri="{C183D7F6-B498-43B3-948B-1728B52AA6E4}">
+                <adec:decorative xmlns:adec="http://schemas.microsoft.com/office/drawing/2017/decorative" val="1"/>
+              </a:ext>
+            </a:extLst>
+          </p:cNvPr>
+          <p:cNvSpPr>
+            <a:spLocks noGrp="1" noRot="1" noChangeAspect="1" noMove="1" noResize="1" noEditPoints="1" noAdjustHandles="1" noChangeArrowheads="1" noChangeShapeType="1" noTextEdit="1"/>
+          </p:cNvSpPr>
+          <p:nvPr>
+            <p:extLst>
+              <p:ext uri="{386F3935-93C4-4BCD-93E2-E3B085C9AB24}">
+                <p16:designElem xmlns:p16="http://schemas.microsoft.com/office/powerpoint/2015/main" val="1"/>
+              </p:ext>
+            </p:extLst>
+          </p:nvPr>
+        </p:nvSpPr>
+        <p:spPr>
+          <a:xfrm>
+            <a:off x="1524" y="0"/>
+            <a:ext cx="12188952" cy="6858000"/>
+          </a:xfrm>
+          <a:prstGeom prst="rect">
+            <a:avLst/>
+          </a:prstGeom>
+          <a:ln>
+            <a:noFill/>
+          </a:ln>
+        </p:spPr>
+        <p:style>
+          <a:lnRef idx="2">
+            <a:schemeClr val="accent1">
+              <a:shade val="50000"/>
+            </a:schemeClr>
+          </a:lnRef>
+          <a:fillRef idx="1">
+            <a:schemeClr val="accent1"/>
+          </a:fillRef>
+          <a:effectRef idx="0">
+            <a:schemeClr val="accent1"/>
+          </a:effectRef>
+          <a:fontRef idx="minor">
+            <a:schemeClr val="lt1"/>
+          </a:fontRef>
+        </p:style>
+        <p:txBody>
+          <a:bodyPr rtlCol="0" anchor="ctr"/>
+          <a:lstStyle/>
+          <a:p>
+            <a:pPr algn="ctr"/>
+            <a:endParaRPr lang="en-US"/>
+          </a:p>
+        </p:txBody>
+      </p:sp>
       <p:sp>
         <p:nvSpPr>
           <p:cNvPr id="2" name="タイトル 1">
@@ -5934,9 +7384,16 @@
             <p:ph type="title"/>
           </p:nvPr>
         </p:nvSpPr>
-        <p:spPr/>
-        <p:txBody>
-          <a:bodyPr/>
+        <p:spPr>
+          <a:xfrm>
+            <a:off x="4543253" y="5056635"/>
+            <a:ext cx="7001047" cy="688975"/>
+          </a:xfrm>
+        </p:spPr>
+        <p:txBody>
+          <a:bodyPr>
+            <a:normAutofit/>
+          </a:bodyPr>
           <a:lstStyle/>
           <a:p>
             <a:r>
@@ -5945,8 +7402,146 @@
             </a:r>
             <a:r>
               <a:rPr kumimoji="1" lang="ja-JP" altLang="en-US" dirty="0"/>
-              <a:t>の実際の流れ</a:t>
-            </a:r>
+              <a:t>の流れ</a:t>
+            </a:r>
+          </a:p>
+        </p:txBody>
+      </p:sp>
+      <p:sp>
+        <p:nvSpPr>
+          <p:cNvPr id="10" name="Rectangle 9">
+            <a:extLst>
+              <a:ext uri="{FF2B5EF4-FFF2-40B4-BE49-F238E27FC236}">
+                <a16:creationId xmlns:a16="http://schemas.microsoft.com/office/drawing/2014/main" id="{C2CF61CF-29C5-4D2C-B5AD-A612B25D5B94}"/>
+              </a:ext>
+              <a:ext uri="{C183D7F6-B498-43B3-948B-1728B52AA6E4}">
+                <adec:decorative xmlns:adec="http://schemas.microsoft.com/office/drawing/2017/decorative" val="1"/>
+              </a:ext>
+            </a:extLst>
+          </p:cNvPr>
+          <p:cNvSpPr>
+            <a:spLocks noGrp="1" noRot="1" noChangeAspect="1" noMove="1" noResize="1" noEditPoints="1" noAdjustHandles="1" noChangeArrowheads="1" noChangeShapeType="1" noTextEdit="1"/>
+          </p:cNvSpPr>
+          <p:nvPr>
+            <p:extLst>
+              <p:ext uri="{386F3935-93C4-4BCD-93E2-E3B085C9AB24}">
+                <p16:designElem xmlns:p16="http://schemas.microsoft.com/office/powerpoint/2015/main" val="1"/>
+              </p:ext>
+            </p:extLst>
+          </p:nvPr>
+        </p:nvSpPr>
+        <p:spPr>
+          <a:xfrm>
+            <a:off x="0" y="0"/>
+            <a:ext cx="4050791" cy="6858000"/>
+          </a:xfrm>
+          <a:prstGeom prst="rect">
+            <a:avLst/>
+          </a:prstGeom>
+          <a:pattFill prst="lgGrid">
+            <a:fgClr>
+              <a:schemeClr val="tx2">
+                <a:lumMod val="10000"/>
+                <a:lumOff val="90000"/>
+              </a:schemeClr>
+            </a:fgClr>
+            <a:bgClr>
+              <a:schemeClr val="bg2"/>
+            </a:bgClr>
+          </a:pattFill>
+          <a:ln>
+            <a:noFill/>
+          </a:ln>
+        </p:spPr>
+        <p:style>
+          <a:lnRef idx="2">
+            <a:schemeClr val="accent1">
+              <a:shade val="50000"/>
+            </a:schemeClr>
+          </a:lnRef>
+          <a:fillRef idx="1">
+            <a:schemeClr val="accent1"/>
+          </a:fillRef>
+          <a:effectRef idx="0">
+            <a:schemeClr val="accent1"/>
+          </a:effectRef>
+          <a:fontRef idx="minor">
+            <a:schemeClr val="lt1"/>
+          </a:fontRef>
+        </p:style>
+        <p:txBody>
+          <a:bodyPr rtlCol="0" anchor="ctr"/>
+          <a:lstStyle/>
+          <a:p>
+            <a:pPr algn="ctr"/>
+            <a:endParaRPr lang="en-US" dirty="0"/>
+          </a:p>
+        </p:txBody>
+      </p:sp>
+      <p:sp>
+        <p:nvSpPr>
+          <p:cNvPr id="12" name="Rectangle 11">
+            <a:extLst>
+              <a:ext uri="{FF2B5EF4-FFF2-40B4-BE49-F238E27FC236}">
+                <a16:creationId xmlns:a16="http://schemas.microsoft.com/office/drawing/2014/main" id="{B8ABD4F0-F3AF-4397-B777-A0D45BFDAD24}"/>
+              </a:ext>
+              <a:ext uri="{C183D7F6-B498-43B3-948B-1728B52AA6E4}">
+                <adec:decorative xmlns:adec="http://schemas.microsoft.com/office/drawing/2017/decorative" val="1"/>
+              </a:ext>
+            </a:extLst>
+          </p:cNvPr>
+          <p:cNvSpPr>
+            <a:spLocks noGrp="1" noRot="1" noChangeAspect="1" noMove="1" noResize="1" noEditPoints="1" noAdjustHandles="1" noChangeArrowheads="1" noChangeShapeType="1" noTextEdit="1"/>
+          </p:cNvSpPr>
+          <p:nvPr>
+            <p:extLst>
+              <p:ext uri="{386F3935-93C4-4BCD-93E2-E3B085C9AB24}">
+                <p16:designElem xmlns:p16="http://schemas.microsoft.com/office/powerpoint/2015/main" val="1"/>
+              </p:ext>
+            </p:extLst>
+          </p:nvPr>
+        </p:nvSpPr>
+        <p:spPr>
+          <a:xfrm>
+            <a:off x="4052315" y="0"/>
+            <a:ext cx="8139685" cy="4551040"/>
+          </a:xfrm>
+          <a:prstGeom prst="rect">
+            <a:avLst/>
+          </a:prstGeom>
+          <a:solidFill>
+            <a:schemeClr val="bg2">
+              <a:lumMod val="75000"/>
+            </a:schemeClr>
+          </a:solidFill>
+          <a:ln>
+            <a:noFill/>
+          </a:ln>
+        </p:spPr>
+        <p:style>
+          <a:lnRef idx="2">
+            <a:schemeClr val="accent1">
+              <a:shade val="50000"/>
+            </a:schemeClr>
+          </a:lnRef>
+          <a:fillRef idx="1">
+            <a:schemeClr val="accent1"/>
+          </a:fillRef>
+          <a:effectRef idx="0">
+            <a:schemeClr val="accent1"/>
+          </a:effectRef>
+          <a:fontRef idx="minor">
+            <a:schemeClr val="lt1"/>
+          </a:fontRef>
+        </p:style>
+        <p:txBody>
+          <a:bodyPr lIns="182880" tIns="182880" rIns="182880" rtlCol="0" anchor="ctr"/>
+          <a:lstStyle/>
+          <a:p>
+            <a:endParaRPr lang="en-US" sz="2400" b="1" dirty="0">
+              <a:latin typeface="Meiryo" panose="020B0604030504040204" pitchFamily="34" charset="-128"/>
+              <a:ea typeface="Meiryo" panose="020B0604030504040204" pitchFamily="34" charset="-128"/>
+            </a:endParaRPr>
           </a:p>
         </p:txBody>
       </p:sp>
@@ -5966,14 +7561,34 @@
             <p:ph idx="1"/>
           </p:nvPr>
         </p:nvSpPr>
-        <p:spPr/>
-        <p:txBody>
-          <a:bodyPr/>
+        <p:spPr>
+          <a:xfrm>
+            <a:off x="4543253" y="586478"/>
+            <a:ext cx="7001047" cy="3500893"/>
+          </a:xfrm>
+        </p:spPr>
+        <p:txBody>
+          <a:bodyPr anchor="b">
+            <a:normAutofit/>
+          </a:bodyPr>
           <a:lstStyle/>
           <a:p>
             <a:r>
               <a:rPr kumimoji="1" lang="ja-JP" altLang="en-US" dirty="0"/>
               <a:t>これはほんの一例です。</a:t>
+            </a:r>
+            <a:endParaRPr kumimoji="1" lang="en-US" altLang="ja-JP" dirty="0"/>
+          </a:p>
+          <a:p>
+            <a:r>
+              <a:rPr kumimoji="1" lang="ja-JP" altLang="en-US" dirty="0"/>
+              <a:t>他の流れも知りたい方は</a:t>
+            </a:r>
+            <a:r>
+              <a:rPr kumimoji="1" lang="ja-JP" altLang="en-US" dirty="0">
+                <a:hlinkClick r:id="rId2"/>
+              </a:rPr>
+              <a:t>こちら</a:t>
             </a:r>
             <a:endParaRPr kumimoji="1" lang="en-US" altLang="ja-JP" dirty="0"/>
           </a:p>
